--- a/NaprednoSWEPrez2.pptx
+++ b/NaprednoSWEPrez2.pptx
@@ -4,19 +4,24 @@
   <p:sldMasterIdLst>
     <p:sldMasterId id="2147483648" r:id="rId1"/>
   </p:sldMasterIdLst>
+  <p:notesMasterIdLst>
+    <p:notesMasterId r:id="rId16"/>
+  </p:notesMasterIdLst>
   <p:sldIdLst>
     <p:sldId id="256" r:id="rId2"/>
     <p:sldId id="265" r:id="rId3"/>
     <p:sldId id="257" r:id="rId4"/>
     <p:sldId id="258" r:id="rId5"/>
-    <p:sldId id="259" r:id="rId6"/>
+    <p:sldId id="261" r:id="rId6"/>
     <p:sldId id="260" r:id="rId7"/>
-    <p:sldId id="261" r:id="rId8"/>
-    <p:sldId id="262" r:id="rId9"/>
-    <p:sldId id="263" r:id="rId10"/>
-    <p:sldId id="264" r:id="rId11"/>
+    <p:sldId id="262" r:id="rId8"/>
+    <p:sldId id="263" r:id="rId9"/>
+    <p:sldId id="264" r:id="rId10"/>
+    <p:sldId id="268" r:id="rId11"/>
     <p:sldId id="266" r:id="rId12"/>
-    <p:sldId id="267" r:id="rId13"/>
+    <p:sldId id="269" r:id="rId13"/>
+    <p:sldId id="267" r:id="rId14"/>
+    <p:sldId id="270" r:id="rId15"/>
   </p:sldIdLst>
   <p:sldSz cx="12192000" cy="6858000"/>
   <p:notesSz cx="6858000" cy="9144000"/>
@@ -123,6 +128,439 @@
 </p:presentation>
 </file>
 
+<file path=ppt/notesMasters/notesMaster1.xml><?xml version="1.0" encoding="utf-8"?>
+<p:notesMaster xmlns:a="http://schemas.openxmlformats.org/drawingml/2006/main" xmlns:r="http://schemas.openxmlformats.org/officeDocument/2006/relationships" xmlns:p="http://schemas.openxmlformats.org/presentationml/2006/main">
+  <p:cSld>
+    <p:bg>
+      <p:bgRef idx="1001">
+        <a:schemeClr val="bg1"/>
+      </p:bgRef>
+    </p:bg>
+    <p:spTree>
+      <p:nvGrpSpPr>
+        <p:cNvPr id="1" name=""/>
+        <p:cNvGrpSpPr/>
+        <p:nvPr/>
+      </p:nvGrpSpPr>
+      <p:grpSpPr>
+        <a:xfrm>
+          <a:off x="0" y="0"/>
+          <a:ext cx="0" cy="0"/>
+          <a:chOff x="0" y="0"/>
+          <a:chExt cx="0" cy="0"/>
+        </a:xfrm>
+      </p:grpSpPr>
+      <p:sp>
+        <p:nvSpPr>
+          <p:cNvPr id="2" name="Header Placeholder 1"/>
+          <p:cNvSpPr>
+            <a:spLocks noGrp="1"/>
+          </p:cNvSpPr>
+          <p:nvPr>
+            <p:ph type="hdr" sz="quarter"/>
+          </p:nvPr>
+        </p:nvSpPr>
+        <p:spPr>
+          <a:xfrm>
+            <a:off x="0" y="0"/>
+            <a:ext cx="2971800" cy="458788"/>
+          </a:xfrm>
+          <a:prstGeom prst="rect">
+            <a:avLst/>
+          </a:prstGeom>
+        </p:spPr>
+        <p:txBody>
+          <a:bodyPr vert="horz" lIns="91440" tIns="45720" rIns="91440" bIns="45720" rtlCol="0"/>
+          <a:lstStyle>
+            <a:lvl1pPr algn="l">
+              <a:defRPr sz="1200"/>
+            </a:lvl1pPr>
+          </a:lstStyle>
+          <a:p>
+            <a:endParaRPr lang="en-US"/>
+          </a:p>
+        </p:txBody>
+      </p:sp>
+      <p:sp>
+        <p:nvSpPr>
+          <p:cNvPr id="3" name="Date Placeholder 2"/>
+          <p:cNvSpPr>
+            <a:spLocks noGrp="1"/>
+          </p:cNvSpPr>
+          <p:nvPr>
+            <p:ph type="dt" idx="1"/>
+          </p:nvPr>
+        </p:nvSpPr>
+        <p:spPr>
+          <a:xfrm>
+            <a:off x="3884613" y="0"/>
+            <a:ext cx="2971800" cy="458788"/>
+          </a:xfrm>
+          <a:prstGeom prst="rect">
+            <a:avLst/>
+          </a:prstGeom>
+        </p:spPr>
+        <p:txBody>
+          <a:bodyPr vert="horz" lIns="91440" tIns="45720" rIns="91440" bIns="45720" rtlCol="0"/>
+          <a:lstStyle>
+            <a:lvl1pPr algn="r">
+              <a:defRPr sz="1200"/>
+            </a:lvl1pPr>
+          </a:lstStyle>
+          <a:p>
+            <a:fld id="{3F9F08CE-5F93-4194-BDA6-50D15D7763DB}" type="datetimeFigureOut">
+              <a:rPr lang="en-US" smtClean="0"/>
+              <a:t>1/25/2026</a:t>
+            </a:fld>
+            <a:endParaRPr lang="en-US"/>
+          </a:p>
+        </p:txBody>
+      </p:sp>
+      <p:sp>
+        <p:nvSpPr>
+          <p:cNvPr id="4" name="Slide Image Placeholder 3"/>
+          <p:cNvSpPr>
+            <a:spLocks noGrp="1" noRot="1" noChangeAspect="1"/>
+          </p:cNvSpPr>
+          <p:nvPr>
+            <p:ph type="sldImg" idx="2"/>
+          </p:nvPr>
+        </p:nvSpPr>
+        <p:spPr>
+          <a:xfrm>
+            <a:off x="685800" y="1143000"/>
+            <a:ext cx="5486400" cy="3086100"/>
+          </a:xfrm>
+          <a:prstGeom prst="rect">
+            <a:avLst/>
+          </a:prstGeom>
+          <a:noFill/>
+          <a:ln w="12700">
+            <a:solidFill>
+              <a:prstClr val="black"/>
+            </a:solidFill>
+          </a:ln>
+        </p:spPr>
+        <p:txBody>
+          <a:bodyPr vert="horz" lIns="91440" tIns="45720" rIns="91440" bIns="45720" rtlCol="0" anchor="ctr"/>
+          <a:lstStyle/>
+          <a:p>
+            <a:endParaRPr lang="en-US"/>
+          </a:p>
+        </p:txBody>
+      </p:sp>
+      <p:sp>
+        <p:nvSpPr>
+          <p:cNvPr id="5" name="Notes Placeholder 4"/>
+          <p:cNvSpPr>
+            <a:spLocks noGrp="1"/>
+          </p:cNvSpPr>
+          <p:nvPr>
+            <p:ph type="body" sz="quarter" idx="3"/>
+          </p:nvPr>
+        </p:nvSpPr>
+        <p:spPr>
+          <a:xfrm>
+            <a:off x="685800" y="4400550"/>
+            <a:ext cx="5486400" cy="3600450"/>
+          </a:xfrm>
+          <a:prstGeom prst="rect">
+            <a:avLst/>
+          </a:prstGeom>
+        </p:spPr>
+        <p:txBody>
+          <a:bodyPr vert="horz" lIns="91440" tIns="45720" rIns="91440" bIns="45720" rtlCol="0"/>
+          <a:lstStyle/>
+          <a:p>
+            <a:pPr lvl="0"/>
+            <a:r>
+              <a:rPr lang="en-US"/>
+              <a:t>Click to edit Master text styles</a:t>
+            </a:r>
+          </a:p>
+          <a:p>
+            <a:pPr lvl="1"/>
+            <a:r>
+              <a:rPr lang="en-US"/>
+              <a:t>Second level</a:t>
+            </a:r>
+          </a:p>
+          <a:p>
+            <a:pPr lvl="2"/>
+            <a:r>
+              <a:rPr lang="en-US"/>
+              <a:t>Third level</a:t>
+            </a:r>
+          </a:p>
+          <a:p>
+            <a:pPr lvl="3"/>
+            <a:r>
+              <a:rPr lang="en-US"/>
+              <a:t>Fourth level</a:t>
+            </a:r>
+          </a:p>
+          <a:p>
+            <a:pPr lvl="4"/>
+            <a:r>
+              <a:rPr lang="en-US"/>
+              <a:t>Fifth level</a:t>
+            </a:r>
+          </a:p>
+        </p:txBody>
+      </p:sp>
+      <p:sp>
+        <p:nvSpPr>
+          <p:cNvPr id="6" name="Footer Placeholder 5"/>
+          <p:cNvSpPr>
+            <a:spLocks noGrp="1"/>
+          </p:cNvSpPr>
+          <p:nvPr>
+            <p:ph type="ftr" sz="quarter" idx="4"/>
+          </p:nvPr>
+        </p:nvSpPr>
+        <p:spPr>
+          <a:xfrm>
+            <a:off x="0" y="8685213"/>
+            <a:ext cx="2971800" cy="458787"/>
+          </a:xfrm>
+          <a:prstGeom prst="rect">
+            <a:avLst/>
+          </a:prstGeom>
+        </p:spPr>
+        <p:txBody>
+          <a:bodyPr vert="horz" lIns="91440" tIns="45720" rIns="91440" bIns="45720" rtlCol="0" anchor="b"/>
+          <a:lstStyle>
+            <a:lvl1pPr algn="l">
+              <a:defRPr sz="1200"/>
+            </a:lvl1pPr>
+          </a:lstStyle>
+          <a:p>
+            <a:endParaRPr lang="en-US"/>
+          </a:p>
+        </p:txBody>
+      </p:sp>
+      <p:sp>
+        <p:nvSpPr>
+          <p:cNvPr id="7" name="Slide Number Placeholder 6"/>
+          <p:cNvSpPr>
+            <a:spLocks noGrp="1"/>
+          </p:cNvSpPr>
+          <p:nvPr>
+            <p:ph type="sldNum" sz="quarter" idx="5"/>
+          </p:nvPr>
+        </p:nvSpPr>
+        <p:spPr>
+          <a:xfrm>
+            <a:off x="3884613" y="8685213"/>
+            <a:ext cx="2971800" cy="458787"/>
+          </a:xfrm>
+          <a:prstGeom prst="rect">
+            <a:avLst/>
+          </a:prstGeom>
+        </p:spPr>
+        <p:txBody>
+          <a:bodyPr vert="horz" lIns="91440" tIns="45720" rIns="91440" bIns="45720" rtlCol="0" anchor="b"/>
+          <a:lstStyle>
+            <a:lvl1pPr algn="r">
+              <a:defRPr sz="1200"/>
+            </a:lvl1pPr>
+          </a:lstStyle>
+          <a:p>
+            <a:fld id="{7D86879A-D8F8-4734-8ABE-E09EBB7CA703}" type="slidenum">
+              <a:rPr lang="en-US" smtClean="0"/>
+              <a:t>‹#›</a:t>
+            </a:fld>
+            <a:endParaRPr lang="en-US"/>
+          </a:p>
+        </p:txBody>
+      </p:sp>
+    </p:spTree>
+    <p:extLst>
+      <p:ext uri="{BB962C8B-B14F-4D97-AF65-F5344CB8AC3E}">
+        <p14:creationId xmlns:p14="http://schemas.microsoft.com/office/powerpoint/2010/main" val="3612052382"/>
+      </p:ext>
+    </p:extLst>
+  </p:cSld>
+  <p:clrMap bg1="lt1" tx1="dk1" bg2="lt2" tx2="dk2" accent1="accent1" accent2="accent2" accent3="accent3" accent4="accent4" accent5="accent5" accent6="accent6" hlink="hlink" folHlink="folHlink"/>
+  <p:notesStyle>
+    <a:lvl1pPr marL="0" algn="l" defTabSz="914400" rtl="0" eaLnBrk="1" latinLnBrk="0" hangingPunct="1">
+      <a:defRPr sz="1200" kern="1200">
+        <a:solidFill>
+          <a:schemeClr val="tx1"/>
+        </a:solidFill>
+        <a:latin typeface="+mn-lt"/>
+        <a:ea typeface="+mn-ea"/>
+        <a:cs typeface="+mn-cs"/>
+      </a:defRPr>
+    </a:lvl1pPr>
+    <a:lvl2pPr marL="457200" algn="l" defTabSz="914400" rtl="0" eaLnBrk="1" latinLnBrk="0" hangingPunct="1">
+      <a:defRPr sz="1200" kern="1200">
+        <a:solidFill>
+          <a:schemeClr val="tx1"/>
+        </a:solidFill>
+        <a:latin typeface="+mn-lt"/>
+        <a:ea typeface="+mn-ea"/>
+        <a:cs typeface="+mn-cs"/>
+      </a:defRPr>
+    </a:lvl2pPr>
+    <a:lvl3pPr marL="914400" algn="l" defTabSz="914400" rtl="0" eaLnBrk="1" latinLnBrk="0" hangingPunct="1">
+      <a:defRPr sz="1200" kern="1200">
+        <a:solidFill>
+          <a:schemeClr val="tx1"/>
+        </a:solidFill>
+        <a:latin typeface="+mn-lt"/>
+        <a:ea typeface="+mn-ea"/>
+        <a:cs typeface="+mn-cs"/>
+      </a:defRPr>
+    </a:lvl3pPr>
+    <a:lvl4pPr marL="1371600" algn="l" defTabSz="914400" rtl="0" eaLnBrk="1" latinLnBrk="0" hangingPunct="1">
+      <a:defRPr sz="1200" kern="1200">
+        <a:solidFill>
+          <a:schemeClr val="tx1"/>
+        </a:solidFill>
+        <a:latin typeface="+mn-lt"/>
+        <a:ea typeface="+mn-ea"/>
+        <a:cs typeface="+mn-cs"/>
+      </a:defRPr>
+    </a:lvl4pPr>
+    <a:lvl5pPr marL="1828800" algn="l" defTabSz="914400" rtl="0" eaLnBrk="1" latinLnBrk="0" hangingPunct="1">
+      <a:defRPr sz="1200" kern="1200">
+        <a:solidFill>
+          <a:schemeClr val="tx1"/>
+        </a:solidFill>
+        <a:latin typeface="+mn-lt"/>
+        <a:ea typeface="+mn-ea"/>
+        <a:cs typeface="+mn-cs"/>
+      </a:defRPr>
+    </a:lvl5pPr>
+    <a:lvl6pPr marL="2286000" algn="l" defTabSz="914400" rtl="0" eaLnBrk="1" latinLnBrk="0" hangingPunct="1">
+      <a:defRPr sz="1200" kern="1200">
+        <a:solidFill>
+          <a:schemeClr val="tx1"/>
+        </a:solidFill>
+        <a:latin typeface="+mn-lt"/>
+        <a:ea typeface="+mn-ea"/>
+        <a:cs typeface="+mn-cs"/>
+      </a:defRPr>
+    </a:lvl6pPr>
+    <a:lvl7pPr marL="2743200" algn="l" defTabSz="914400" rtl="0" eaLnBrk="1" latinLnBrk="0" hangingPunct="1">
+      <a:defRPr sz="1200" kern="1200">
+        <a:solidFill>
+          <a:schemeClr val="tx1"/>
+        </a:solidFill>
+        <a:latin typeface="+mn-lt"/>
+        <a:ea typeface="+mn-ea"/>
+        <a:cs typeface="+mn-cs"/>
+      </a:defRPr>
+    </a:lvl7pPr>
+    <a:lvl8pPr marL="3200400" algn="l" defTabSz="914400" rtl="0" eaLnBrk="1" latinLnBrk="0" hangingPunct="1">
+      <a:defRPr sz="1200" kern="1200">
+        <a:solidFill>
+          <a:schemeClr val="tx1"/>
+        </a:solidFill>
+        <a:latin typeface="+mn-lt"/>
+        <a:ea typeface="+mn-ea"/>
+        <a:cs typeface="+mn-cs"/>
+      </a:defRPr>
+    </a:lvl8pPr>
+    <a:lvl9pPr marL="3657600" algn="l" defTabSz="914400" rtl="0" eaLnBrk="1" latinLnBrk="0" hangingPunct="1">
+      <a:defRPr sz="1200" kern="1200">
+        <a:solidFill>
+          <a:schemeClr val="tx1"/>
+        </a:solidFill>
+        <a:latin typeface="+mn-lt"/>
+        <a:ea typeface="+mn-ea"/>
+        <a:cs typeface="+mn-cs"/>
+      </a:defRPr>
+    </a:lvl9pPr>
+  </p:notesStyle>
+</p:notesMaster>
+</file>
+
+<file path=ppt/notesSlides/notesSlide1.xml><?xml version="1.0" encoding="utf-8"?>
+<p:notes xmlns:a="http://schemas.openxmlformats.org/drawingml/2006/main" xmlns:r="http://schemas.openxmlformats.org/officeDocument/2006/relationships" xmlns:p="http://schemas.openxmlformats.org/presentationml/2006/main">
+  <p:cSld>
+    <p:spTree>
+      <p:nvGrpSpPr>
+        <p:cNvPr id="1" name=""/>
+        <p:cNvGrpSpPr/>
+        <p:nvPr/>
+      </p:nvGrpSpPr>
+      <p:grpSpPr>
+        <a:xfrm>
+          <a:off x="0" y="0"/>
+          <a:ext cx="0" cy="0"/>
+          <a:chOff x="0" y="0"/>
+          <a:chExt cx="0" cy="0"/>
+        </a:xfrm>
+      </p:grpSpPr>
+      <p:sp>
+        <p:nvSpPr>
+          <p:cNvPr id="2" name="Slide Image Placeholder 1"/>
+          <p:cNvSpPr>
+            <a:spLocks noGrp="1" noRot="1" noChangeAspect="1"/>
+          </p:cNvSpPr>
+          <p:nvPr>
+            <p:ph type="sldImg"/>
+          </p:nvPr>
+        </p:nvSpPr>
+        <p:spPr/>
+      </p:sp>
+      <p:sp>
+        <p:nvSpPr>
+          <p:cNvPr id="3" name="Notes Placeholder 2"/>
+          <p:cNvSpPr>
+            <a:spLocks noGrp="1"/>
+          </p:cNvSpPr>
+          <p:nvPr>
+            <p:ph type="body" idx="1"/>
+          </p:nvPr>
+        </p:nvSpPr>
+        <p:spPr/>
+        <p:txBody>
+          <a:bodyPr/>
+          <a:lstStyle/>
+          <a:p>
+            <a:endParaRPr lang="en-US" dirty="0"/>
+          </a:p>
+        </p:txBody>
+      </p:sp>
+      <p:sp>
+        <p:nvSpPr>
+          <p:cNvPr id="4" name="Slide Number Placeholder 3"/>
+          <p:cNvSpPr>
+            <a:spLocks noGrp="1"/>
+          </p:cNvSpPr>
+          <p:nvPr>
+            <p:ph type="sldNum" sz="quarter" idx="5"/>
+          </p:nvPr>
+        </p:nvSpPr>
+        <p:spPr/>
+        <p:txBody>
+          <a:bodyPr/>
+          <a:lstStyle/>
+          <a:p>
+            <a:fld id="{7D86879A-D8F8-4734-8ABE-E09EBB7CA703}" type="slidenum">
+              <a:rPr lang="en-US" smtClean="0"/>
+              <a:t>1</a:t>
+            </a:fld>
+            <a:endParaRPr lang="en-US"/>
+          </a:p>
+        </p:txBody>
+      </p:sp>
+    </p:spTree>
+    <p:extLst>
+      <p:ext uri="{BB962C8B-B14F-4D97-AF65-F5344CB8AC3E}">
+        <p14:creationId xmlns:p14="http://schemas.microsoft.com/office/powerpoint/2010/main" val="670493404"/>
+      </p:ext>
+    </p:extLst>
+  </p:cSld>
+  <p:clrMapOvr>
+    <a:masterClrMapping/>
+  </p:clrMapOvr>
+</p:notes>
+</file>
+
 <file path=ppt/slideLayouts/slideLayout1.xml><?xml version="1.0" encoding="utf-8"?>
 <p:sldLayout xmlns:a="http://schemas.openxmlformats.org/drawingml/2006/main" xmlns:r="http://schemas.openxmlformats.org/officeDocument/2006/relationships" xmlns:p="http://schemas.openxmlformats.org/presentationml/2006/main" showMasterSp="0" type="title" preserve="1">
   <p:cSld name="Title Slide">
@@ -459,7 +897,7 @@
             <a:fld id="{5923F103-BC34-4FE4-A40E-EDDEECFDA5D0}" type="datetimeFigureOut">
               <a:rPr lang="en-US" dirty="0"/>
               <a:pPr/>
-              <a:t>1/20/2026</a:t>
+              <a:t>1/25/2026</a:t>
             </a:fld>
             <a:endParaRPr lang="en-US" dirty="0"/>
           </a:p>
@@ -1543,7 +1981,7 @@
           <a:p>
             <a:fld id="{923A1CC3-2375-41D4-9E03-427CAF2A4C1A}" type="datetimeFigureOut">
               <a:rPr lang="en-US" dirty="0"/>
-              <a:t>1/20/2026</a:t>
+              <a:t>1/25/2026</a:t>
             </a:fld>
             <a:endParaRPr lang="en-US" dirty="0"/>
           </a:p>
@@ -2519,7 +2957,7 @@
           <a:p>
             <a:fld id="{AFF16868-8199-4C2C-A5B1-63AEE139F88E}" type="datetimeFigureOut">
               <a:rPr lang="en-US" dirty="0"/>
-              <a:t>1/20/2026</a:t>
+              <a:t>1/25/2026</a:t>
             </a:fld>
             <a:endParaRPr lang="en-US" dirty="0"/>
           </a:p>
@@ -3649,7 +4087,7 @@
           <a:p>
             <a:fld id="{AAD9FF7F-6988-44CC-821B-644E70CD2F73}" type="datetimeFigureOut">
               <a:rPr lang="en-US" dirty="0"/>
-              <a:t>1/20/2026</a:t>
+              <a:t>1/25/2026</a:t>
             </a:fld>
             <a:endParaRPr lang="en-US" dirty="0"/>
           </a:p>
@@ -4678,7 +5116,7 @@
           <a:p>
             <a:fld id="{5C12C299-16B2-4475-990D-751901EACC14}" type="datetimeFigureOut">
               <a:rPr lang="en-US" dirty="0"/>
-              <a:t>1/20/2026</a:t>
+              <a:t>1/25/2026</a:t>
             </a:fld>
             <a:endParaRPr lang="en-US" dirty="0"/>
           </a:p>
@@ -5334,7 +5772,7 @@
           <a:p>
             <a:fld id="{9FE86839-B9D8-4651-8783-F325ECE74E65}" type="datetimeFigureOut">
               <a:rPr lang="en-US" dirty="0"/>
-              <a:t>1/20/2026</a:t>
+              <a:t>1/25/2026</a:t>
             </a:fld>
             <a:endParaRPr lang="en-US" dirty="0"/>
           </a:p>
@@ -6191,7 +6629,7 @@
           <a:p>
             <a:fld id="{FD484F64-32F6-45C5-931F-ADC1662401D0}" type="datetimeFigureOut">
               <a:rPr lang="en-US" dirty="0"/>
-              <a:t>1/20/2026</a:t>
+              <a:t>1/25/2026</a:t>
             </a:fld>
             <a:endParaRPr lang="en-US" dirty="0"/>
           </a:p>
@@ -6377,7 +6815,7 @@
           <a:p>
             <a:fld id="{53086D93-FCAC-47E0-A2EE-787E62CA814C}" type="datetimeFigureOut">
               <a:rPr lang="en-US" dirty="0"/>
-              <a:t>1/20/2026</a:t>
+              <a:t>1/25/2026</a:t>
             </a:fld>
             <a:endParaRPr lang="en-US" dirty="0"/>
           </a:p>
@@ -7345,7 +7783,7 @@
           <a:p>
             <a:fld id="{CDA879A6-0FD0-4734-A311-86BFCA472E6E}" type="datetimeFigureOut">
               <a:rPr lang="en-US" dirty="0"/>
-              <a:t>1/20/2026</a:t>
+              <a:t>1/25/2026</a:t>
             </a:fld>
             <a:endParaRPr lang="en-US" dirty="0"/>
           </a:p>
@@ -7552,7 +7990,7 @@
           <a:p>
             <a:fld id="{19C9CA7B-DFD4-44B5-8C60-D14B8CD1FB59}" type="datetimeFigureOut">
               <a:rPr lang="en-US" dirty="0"/>
-              <a:t>1/20/2026</a:t>
+              <a:t>1/25/2026</a:t>
             </a:fld>
             <a:endParaRPr lang="en-US" dirty="0"/>
           </a:p>
@@ -8582,7 +9020,7 @@
           <a:p>
             <a:fld id="{F34E6425-0181-43F2-84FC-787E803FD2F8}" type="datetimeFigureOut">
               <a:rPr lang="en-US" dirty="0"/>
-              <a:t>1/20/2026</a:t>
+              <a:t>1/25/2026</a:t>
             </a:fld>
             <a:endParaRPr lang="en-US" dirty="0"/>
           </a:p>
@@ -8850,7 +9288,7 @@
           <a:p>
             <a:fld id="{3BDB8791-F1B0-41E7-B7FD-A781E65C4266}" type="datetimeFigureOut">
               <a:rPr lang="en-US" dirty="0"/>
-              <a:t>1/20/2026</a:t>
+              <a:t>1/25/2026</a:t>
             </a:fld>
             <a:endParaRPr lang="en-US" dirty="0"/>
           </a:p>
@@ -9256,7 +9694,7 @@
           <a:p>
             <a:fld id="{5FDD63B2-E120-4ED8-B27B-C685F510A5FE}" type="datetimeFigureOut">
               <a:rPr lang="en-US" dirty="0"/>
-              <a:t>1/20/2026</a:t>
+              <a:t>1/25/2026</a:t>
             </a:fld>
             <a:endParaRPr lang="en-US" dirty="0"/>
           </a:p>
@@ -9379,7 +9817,7 @@
           <a:p>
             <a:fld id="{7AA18ACC-A947-437B-A130-35BD54FDF1E9}" type="datetimeFigureOut">
               <a:rPr lang="en-US" dirty="0"/>
-              <a:t>1/20/2026</a:t>
+              <a:t>1/25/2026</a:t>
             </a:fld>
             <a:endParaRPr lang="en-US" dirty="0"/>
           </a:p>
@@ -9470,7 +9908,7 @@
           <a:p>
             <a:fld id="{7C8D7E02-BCB8-4D50-A234-369438C08659}" type="datetimeFigureOut">
               <a:rPr lang="en-US" dirty="0"/>
-              <a:t>1/20/2026</a:t>
+              <a:t>1/25/2026</a:t>
             </a:fld>
             <a:endParaRPr lang="en-US" dirty="0"/>
           </a:p>
@@ -10547,7 +10985,7 @@
           <a:p>
             <a:fld id="{76E86A4C-8E40-4F87-A4F0-01A0687C5742}" type="datetimeFigureOut">
               <a:rPr lang="en-US" dirty="0"/>
-              <a:t>1/20/2026</a:t>
+              <a:t>1/25/2026</a:t>
             </a:fld>
             <a:endParaRPr lang="en-US" dirty="0"/>
           </a:p>
@@ -11651,7 +12089,7 @@
           <a:p>
             <a:fld id="{35E72C73-2D91-4E12-BA25-F0AA0C03599B}" type="datetimeFigureOut">
               <a:rPr lang="en-US" dirty="0"/>
-              <a:t>1/20/2026</a:t>
+              <a:t>1/25/2026</a:t>
             </a:fld>
             <a:endParaRPr lang="en-US" dirty="0"/>
           </a:p>
@@ -12644,7 +13082,7 @@
           <a:p>
             <a:fld id="{2BE451C3-0FF4-47C4-B829-773ADF60F88C}" type="datetimeFigureOut">
               <a:rPr lang="en-US" dirty="0"/>
-              <a:t>1/20/2026</a:t>
+              <a:t>1/25/2026</a:t>
             </a:fld>
             <a:endParaRPr lang="en-US" dirty="0"/>
           </a:p>
@@ -13283,13 +13721,15 @@
         </p:nvSpPr>
         <p:spPr/>
         <p:txBody>
-          <a:bodyPr/>
+          <a:bodyPr>
+            <a:noAutofit/>
+          </a:bodyPr>
           <a:lstStyle/>
           <a:p>
             <a:pPr algn="ctr"/>
             <a:r>
-              <a:rPr lang="en-US" dirty="0"/>
-              <a:t>NAPREDNO SOFTVERSKO INZENJERSTVO, PREDRAG ZIVKOVIC 2021</a:t>
+              <a:rPr lang="en-US" sz="2800" dirty="0"/>
+              <a:t>NAPREDNO SOFTVERSKO INZENJERSTVO, PREDRAG ZIVKOVIC 2084</a:t>
             </a:r>
           </a:p>
         </p:txBody>
@@ -13329,7 +13769,7 @@
           <p:cNvPr id="2" name="Title 1">
             <a:extLst>
               <a:ext uri="{FF2B5EF4-FFF2-40B4-BE49-F238E27FC236}">
-                <a16:creationId xmlns:a16="http://schemas.microsoft.com/office/drawing/2014/main" id="{6991BE73-C316-93E8-3811-CDEF16A8E93D}"/>
+                <a16:creationId xmlns:a16="http://schemas.microsoft.com/office/drawing/2014/main" id="{0DA2FD90-366C-E32B-8014-C3500B40F2E1}"/>
               </a:ext>
             </a:extLst>
           </p:cNvPr>
@@ -13346,205 +13786,90 @@
           <a:lstStyle/>
           <a:p>
             <a:r>
-              <a:rPr lang="en-US" dirty="0"/>
-              <a:t>Native API </a:t>
-            </a:r>
-            <a:r>
-              <a:rPr lang="en-US" dirty="0" err="1"/>
-              <a:t>koje</a:t>
-            </a:r>
-            <a:r>
-              <a:rPr lang="en-US" dirty="0"/>
-              <a:t> Capacitor </a:t>
-            </a:r>
-            <a:r>
-              <a:rPr lang="en-US" dirty="0" err="1"/>
-              <a:t>nudi</a:t>
-            </a:r>
-            <a:endParaRPr lang="en-US" dirty="0"/>
+              <a:rPr lang="en-US" dirty="0" err="1"/>
+              <a:t>Prevodjenje</a:t>
+            </a:r>
+            <a:r>
+              <a:rPr lang="en-US" dirty="0"/>
+              <a:t> Angular </a:t>
+            </a:r>
+            <a:r>
+              <a:rPr lang="en-US" dirty="0" err="1"/>
+              <a:t>koda</a:t>
+            </a:r>
+            <a:r>
+              <a:rPr lang="en-US" dirty="0"/>
+              <a:t> U Native</a:t>
+            </a:r>
           </a:p>
         </p:txBody>
       </p:sp>
-      <p:sp>
-        <p:nvSpPr>
-          <p:cNvPr id="3" name="Content Placeholder 2">
+      <p:pic>
+        <p:nvPicPr>
+          <p:cNvPr id="5" name="Content Placeholder 4">
             <a:extLst>
               <a:ext uri="{FF2B5EF4-FFF2-40B4-BE49-F238E27FC236}">
-                <a16:creationId xmlns:a16="http://schemas.microsoft.com/office/drawing/2014/main" id="{31323883-A183-80EF-323B-5F27E8145F71}"/>
+                <a16:creationId xmlns:a16="http://schemas.microsoft.com/office/drawing/2014/main" id="{61335180-C918-DE7F-390A-0B076254AB37}"/>
               </a:ext>
             </a:extLst>
           </p:cNvPr>
-          <p:cNvSpPr>
-            <a:spLocks noGrp="1"/>
-          </p:cNvSpPr>
+          <p:cNvPicPr>
+            <a:picLocks noGrp="1" noChangeAspect="1"/>
+          </p:cNvPicPr>
           <p:nvPr>
             <p:ph idx="1"/>
           </p:nvPr>
-        </p:nvSpPr>
-        <p:spPr/>
-        <p:txBody>
-          <a:bodyPr/>
-          <a:lstStyle/>
-          <a:p>
-            <a:r>
-              <a:rPr lang="en-US" b="1" dirty="0"/>
-              <a:t>Camera- </a:t>
-            </a:r>
-            <a:r>
-              <a:rPr lang="en-US" dirty="0" err="1"/>
-              <a:t>snimanje</a:t>
-            </a:r>
-            <a:r>
-              <a:rPr lang="en-US" dirty="0"/>
-              <a:t> </a:t>
-            </a:r>
-            <a:r>
-              <a:rPr lang="en-US" dirty="0" err="1"/>
-              <a:t>fotografija</a:t>
-            </a:r>
-            <a:r>
-              <a:rPr lang="en-US" dirty="0"/>
-              <a:t> I </a:t>
-            </a:r>
-            <a:r>
-              <a:rPr lang="en-US" dirty="0" err="1"/>
-              <a:t>videa</a:t>
-            </a:r>
-            <a:r>
-              <a:rPr lang="en-US" dirty="0"/>
-              <a:t>.</a:t>
-            </a:r>
-          </a:p>
-          <a:p>
-            <a:r>
-              <a:rPr lang="en-US" b="1" dirty="0"/>
-              <a:t>Geolocation- </a:t>
-            </a:r>
-            <a:r>
-              <a:rPr lang="en-US" dirty="0" err="1"/>
-              <a:t>prezicno</a:t>
-            </a:r>
-            <a:r>
-              <a:rPr lang="en-US" dirty="0"/>
-              <a:t> </a:t>
-            </a:r>
-            <a:r>
-              <a:rPr lang="en-US" dirty="0" err="1"/>
-              <a:t>pracenje</a:t>
-            </a:r>
-            <a:r>
-              <a:rPr lang="en-US" dirty="0"/>
-              <a:t> </a:t>
-            </a:r>
-            <a:r>
-              <a:rPr lang="en-US" dirty="0" err="1"/>
-              <a:t>lokacije</a:t>
-            </a:r>
-            <a:endParaRPr lang="en-US" dirty="0"/>
-          </a:p>
-          <a:p>
-            <a:r>
-              <a:rPr lang="en-US" b="1" dirty="0"/>
-              <a:t>Push Notification- </a:t>
-            </a:r>
-            <a:r>
-              <a:rPr lang="en-US" dirty="0" err="1"/>
-              <a:t>slanje</a:t>
-            </a:r>
-            <a:r>
-              <a:rPr lang="en-US" dirty="0"/>
-              <a:t> </a:t>
-            </a:r>
-            <a:r>
-              <a:rPr lang="en-US" dirty="0" err="1"/>
-              <a:t>obavestenja</a:t>
-            </a:r>
-            <a:r>
-              <a:rPr lang="en-US" dirty="0"/>
-              <a:t> </a:t>
-            </a:r>
-            <a:r>
-              <a:rPr lang="en-US" dirty="0" err="1"/>
-              <a:t>korisnicima</a:t>
-            </a:r>
-            <a:endParaRPr lang="en-US" dirty="0"/>
-          </a:p>
-          <a:p>
-            <a:r>
-              <a:rPr lang="en-US" b="1" dirty="0"/>
-              <a:t>Haptics- </a:t>
-            </a:r>
-            <a:r>
-              <a:rPr lang="en-US" dirty="0" err="1"/>
-              <a:t>Upravljanje</a:t>
-            </a:r>
-            <a:r>
-              <a:rPr lang="en-US" dirty="0"/>
-              <a:t> </a:t>
-            </a:r>
-            <a:r>
-              <a:rPr lang="en-US" dirty="0" err="1"/>
-              <a:t>vibracijom</a:t>
-            </a:r>
-            <a:r>
-              <a:rPr lang="en-US" dirty="0"/>
-              <a:t> </a:t>
-            </a:r>
-            <a:r>
-              <a:rPr lang="en-US" dirty="0" err="1"/>
-              <a:t>telefona</a:t>
-            </a:r>
-            <a:endParaRPr lang="en-US" dirty="0"/>
-          </a:p>
-          <a:p>
-            <a:r>
-              <a:rPr lang="en-US" b="1" dirty="0"/>
-              <a:t>File system- </a:t>
-            </a:r>
-            <a:r>
-              <a:rPr lang="en-US" dirty="0" err="1"/>
-              <a:t>Cuvanje</a:t>
-            </a:r>
-            <a:r>
-              <a:rPr lang="en-US" dirty="0"/>
-              <a:t> </a:t>
-            </a:r>
-            <a:r>
-              <a:rPr lang="en-US" dirty="0" err="1"/>
-              <a:t>fajlova</a:t>
-            </a:r>
-            <a:r>
-              <a:rPr lang="en-US" dirty="0"/>
-              <a:t> </a:t>
-            </a:r>
-            <a:r>
-              <a:rPr lang="en-US" dirty="0" err="1"/>
-              <a:t>direktno</a:t>
-            </a:r>
-            <a:r>
-              <a:rPr lang="en-US" dirty="0"/>
-              <a:t> u </a:t>
-            </a:r>
-            <a:r>
-              <a:rPr lang="en-US" dirty="0" err="1"/>
-              <a:t>memoriji</a:t>
-            </a:r>
-            <a:r>
-              <a:rPr lang="en-US" dirty="0"/>
-              <a:t> </a:t>
-            </a:r>
-            <a:r>
-              <a:rPr lang="en-US" dirty="0" err="1"/>
-              <a:t>uredjaja</a:t>
-            </a:r>
-            <a:endParaRPr lang="en-US" b="1" dirty="0"/>
-          </a:p>
-        </p:txBody>
-      </p:sp>
+        </p:nvPicPr>
+        <p:blipFill>
+          <a:blip r:embed="rId2"/>
+          <a:stretch>
+            <a:fillRect/>
+          </a:stretch>
+        </p:blipFill>
+        <p:spPr>
+          <a:xfrm>
+            <a:off x="8581469" y="1868264"/>
+            <a:ext cx="2217511" cy="4833678"/>
+          </a:xfrm>
+          <a:prstGeom prst="rect">
+            <a:avLst/>
+          </a:prstGeom>
+        </p:spPr>
+      </p:pic>
+      <p:pic>
+        <p:nvPicPr>
+          <p:cNvPr id="7" name="Picture 6">
+            <a:extLst>
+              <a:ext uri="{FF2B5EF4-FFF2-40B4-BE49-F238E27FC236}">
+                <a16:creationId xmlns:a16="http://schemas.microsoft.com/office/drawing/2014/main" id="{B719CFB6-0E3E-D705-23E2-89D51D0642A6}"/>
+              </a:ext>
+            </a:extLst>
+          </p:cNvPr>
+          <p:cNvPicPr>
+            <a:picLocks noChangeAspect="1"/>
+          </p:cNvPicPr>
+          <p:nvPr/>
+        </p:nvPicPr>
+        <p:blipFill>
+          <a:blip r:embed="rId3"/>
+          <a:stretch>
+            <a:fillRect/>
+          </a:stretch>
+        </p:blipFill>
+        <p:spPr>
+          <a:xfrm>
+            <a:off x="550793" y="2740745"/>
+            <a:ext cx="7155121" cy="2499848"/>
+          </a:xfrm>
+          <a:prstGeom prst="rect">
+            <a:avLst/>
+          </a:prstGeom>
+        </p:spPr>
+      </p:pic>
     </p:spTree>
     <p:extLst>
       <p:ext uri="{BB962C8B-B14F-4D97-AF65-F5344CB8AC3E}">
-        <p14:creationId xmlns:p14="http://schemas.microsoft.com/office/powerpoint/2010/main" val="2363006786"/>
+        <p14:creationId xmlns:p14="http://schemas.microsoft.com/office/powerpoint/2010/main" val="1933980515"/>
       </p:ext>
     </p:extLst>
   </p:cSld>
@@ -13947,6 +14272,126 @@
           <p:cNvPr id="2" name="Title 1">
             <a:extLst>
               <a:ext uri="{FF2B5EF4-FFF2-40B4-BE49-F238E27FC236}">
+                <a16:creationId xmlns:a16="http://schemas.microsoft.com/office/drawing/2014/main" id="{168E89AE-82E3-43F9-67A1-F806F2ACC70B}"/>
+              </a:ext>
+            </a:extLst>
+          </p:cNvPr>
+          <p:cNvSpPr>
+            <a:spLocks noGrp="1"/>
+          </p:cNvSpPr>
+          <p:nvPr>
+            <p:ph type="title"/>
+          </p:nvPr>
+        </p:nvSpPr>
+        <p:spPr/>
+        <p:txBody>
+          <a:bodyPr/>
+          <a:lstStyle/>
+          <a:p>
+            <a:r>
+              <a:rPr lang="en-US" dirty="0"/>
+              <a:t>Camera access</a:t>
+            </a:r>
+          </a:p>
+        </p:txBody>
+      </p:sp>
+      <p:pic>
+        <p:nvPicPr>
+          <p:cNvPr id="5" name="Content Placeholder 4">
+            <a:extLst>
+              <a:ext uri="{FF2B5EF4-FFF2-40B4-BE49-F238E27FC236}">
+                <a16:creationId xmlns:a16="http://schemas.microsoft.com/office/drawing/2014/main" id="{C20B86E3-F16B-A14D-7EEC-344DED5736D4}"/>
+              </a:ext>
+            </a:extLst>
+          </p:cNvPr>
+          <p:cNvPicPr>
+            <a:picLocks noGrp="1" noChangeAspect="1"/>
+          </p:cNvPicPr>
+          <p:nvPr>
+            <p:ph idx="1"/>
+          </p:nvPr>
+        </p:nvPicPr>
+        <p:blipFill>
+          <a:blip r:embed="rId2"/>
+          <a:stretch>
+            <a:fillRect/>
+          </a:stretch>
+        </p:blipFill>
+        <p:spPr>
+          <a:xfrm>
+            <a:off x="496192" y="2357691"/>
+            <a:ext cx="5275343" cy="4224317"/>
+          </a:xfrm>
+          <a:prstGeom prst="rect">
+            <a:avLst/>
+          </a:prstGeom>
+        </p:spPr>
+      </p:pic>
+      <p:pic>
+        <p:nvPicPr>
+          <p:cNvPr id="7" name="Picture 6">
+            <a:extLst>
+              <a:ext uri="{FF2B5EF4-FFF2-40B4-BE49-F238E27FC236}">
+                <a16:creationId xmlns:a16="http://schemas.microsoft.com/office/drawing/2014/main" id="{C6F3A2C3-3F9D-85BF-955E-408B0A2CA6BA}"/>
+              </a:ext>
+            </a:extLst>
+          </p:cNvPr>
+          <p:cNvPicPr>
+            <a:picLocks noChangeAspect="1"/>
+          </p:cNvPicPr>
+          <p:nvPr/>
+        </p:nvPicPr>
+        <p:blipFill>
+          <a:blip r:embed="rId3"/>
+          <a:stretch>
+            <a:fillRect/>
+          </a:stretch>
+        </p:blipFill>
+        <p:spPr>
+          <a:xfrm>
+            <a:off x="5943024" y="3429000"/>
+            <a:ext cx="6051180" cy="1298280"/>
+          </a:xfrm>
+          <a:prstGeom prst="rect">
+            <a:avLst/>
+          </a:prstGeom>
+        </p:spPr>
+      </p:pic>
+    </p:spTree>
+    <p:extLst>
+      <p:ext uri="{BB962C8B-B14F-4D97-AF65-F5344CB8AC3E}">
+        <p14:creationId xmlns:p14="http://schemas.microsoft.com/office/powerpoint/2010/main" val="172474209"/>
+      </p:ext>
+    </p:extLst>
+  </p:cSld>
+  <p:clrMapOvr>
+    <a:masterClrMapping/>
+  </p:clrMapOvr>
+</p:sld>
+</file>
+
+<file path=ppt/slides/slide13.xml><?xml version="1.0" encoding="utf-8"?>
+<p:sld xmlns:a="http://schemas.openxmlformats.org/drawingml/2006/main" xmlns:r="http://schemas.openxmlformats.org/officeDocument/2006/relationships" xmlns:p="http://schemas.openxmlformats.org/presentationml/2006/main">
+  <p:cSld>
+    <p:spTree>
+      <p:nvGrpSpPr>
+        <p:cNvPr id="1" name=""/>
+        <p:cNvGrpSpPr/>
+        <p:nvPr/>
+      </p:nvGrpSpPr>
+      <p:grpSpPr>
+        <a:xfrm>
+          <a:off x="0" y="0"/>
+          <a:ext cx="0" cy="0"/>
+          <a:chOff x="0" y="0"/>
+          <a:chExt cx="0" cy="0"/>
+        </a:xfrm>
+      </p:grpSpPr>
+      <p:sp>
+        <p:nvSpPr>
+          <p:cNvPr id="2" name="Title 1">
+            <a:extLst>
+              <a:ext uri="{FF2B5EF4-FFF2-40B4-BE49-F238E27FC236}">
                 <a16:creationId xmlns:a16="http://schemas.microsoft.com/office/drawing/2014/main" id="{D053C783-DE50-778B-8599-4E38F5BDDF0F}"/>
               </a:ext>
             </a:extLst>
@@ -14140,6 +14585,95 @@
 </p:sld>
 </file>
 
+<file path=ppt/slides/slide14.xml><?xml version="1.0" encoding="utf-8"?>
+<p:sld xmlns:a="http://schemas.openxmlformats.org/drawingml/2006/main" xmlns:r="http://schemas.openxmlformats.org/officeDocument/2006/relationships" xmlns:p="http://schemas.openxmlformats.org/presentationml/2006/main">
+  <p:cSld>
+    <p:spTree>
+      <p:nvGrpSpPr>
+        <p:cNvPr id="1" name=""/>
+        <p:cNvGrpSpPr/>
+        <p:nvPr/>
+      </p:nvGrpSpPr>
+      <p:grpSpPr>
+        <a:xfrm>
+          <a:off x="0" y="0"/>
+          <a:ext cx="0" cy="0"/>
+          <a:chOff x="0" y="0"/>
+          <a:chExt cx="0" cy="0"/>
+        </a:xfrm>
+      </p:grpSpPr>
+      <p:sp>
+        <p:nvSpPr>
+          <p:cNvPr id="2" name="Title 1">
+            <a:extLst>
+              <a:ext uri="{FF2B5EF4-FFF2-40B4-BE49-F238E27FC236}">
+                <a16:creationId xmlns:a16="http://schemas.microsoft.com/office/drawing/2014/main" id="{B25AD5A1-0949-02BA-35C2-2E05C03811C1}"/>
+              </a:ext>
+            </a:extLst>
+          </p:cNvPr>
+          <p:cNvSpPr>
+            <a:spLocks noGrp="1"/>
+          </p:cNvSpPr>
+          <p:nvPr>
+            <p:ph type="ctrTitle"/>
+          </p:nvPr>
+        </p:nvSpPr>
+        <p:spPr>
+          <a:xfrm>
+            <a:off x="1312271" y="831372"/>
+            <a:ext cx="8825658" cy="2677648"/>
+          </a:xfrm>
+        </p:spPr>
+        <p:txBody>
+          <a:bodyPr/>
+          <a:lstStyle/>
+          <a:p>
+            <a:pPr algn="ctr"/>
+            <a:r>
+              <a:rPr lang="en-US" dirty="0"/>
+              <a:t>HVALA NA PAZNJI</a:t>
+            </a:r>
+          </a:p>
+        </p:txBody>
+      </p:sp>
+      <p:sp>
+        <p:nvSpPr>
+          <p:cNvPr id="3" name="Subtitle 2">
+            <a:extLst>
+              <a:ext uri="{FF2B5EF4-FFF2-40B4-BE49-F238E27FC236}">
+                <a16:creationId xmlns:a16="http://schemas.microsoft.com/office/drawing/2014/main" id="{2F8E8CF8-D75C-D538-A6D9-DDD965A827BB}"/>
+              </a:ext>
+            </a:extLst>
+          </p:cNvPr>
+          <p:cNvSpPr>
+            <a:spLocks noGrp="1"/>
+          </p:cNvSpPr>
+          <p:nvPr>
+            <p:ph type="subTitle" idx="1"/>
+          </p:nvPr>
+        </p:nvSpPr>
+        <p:spPr/>
+        <p:txBody>
+          <a:bodyPr/>
+          <a:lstStyle/>
+          <a:p>
+            <a:endParaRPr lang="en-US"/>
+          </a:p>
+        </p:txBody>
+      </p:sp>
+    </p:spTree>
+    <p:extLst>
+      <p:ext uri="{BB962C8B-B14F-4D97-AF65-F5344CB8AC3E}">
+        <p14:creationId xmlns:p14="http://schemas.microsoft.com/office/powerpoint/2010/main" val="2946357343"/>
+      </p:ext>
+    </p:extLst>
+  </p:cSld>
+  <p:clrMapOvr>
+    <a:masterClrMapping/>
+  </p:clrMapOvr>
+</p:sld>
+</file>
+
 <file path=ppt/slides/slide2.xml><?xml version="1.0" encoding="utf-8"?>
 <p:sld xmlns:a="http://schemas.openxmlformats.org/drawingml/2006/main" xmlns:r="http://schemas.openxmlformats.org/officeDocument/2006/relationships" xmlns:p="http://schemas.openxmlformats.org/presentationml/2006/main">
   <p:cSld>
@@ -14210,7 +14744,7 @@
         </p:spPr>
         <p:txBody>
           <a:bodyPr>
-            <a:normAutofit fontScale="70000" lnSpcReduction="20000"/>
+            <a:normAutofit fontScale="77500" lnSpcReduction="20000"/>
           </a:bodyPr>
           <a:lstStyle/>
           <a:p>
@@ -14249,15 +14783,7 @@
             </a:pPr>
             <a:r>
               <a:rPr lang="en-US" sz="3400" dirty="0" err="1"/>
-              <a:t>Kljucne</a:t>
-            </a:r>
-            <a:r>
-              <a:rPr lang="en-US" sz="3400" dirty="0"/>
-              <a:t> </a:t>
-            </a:r>
-            <a:r>
-              <a:rPr lang="en-US" sz="3400" dirty="0" err="1"/>
-              <a:t>karakteristike</a:t>
+              <a:t>Ahritektura</a:t>
             </a:r>
             <a:endParaRPr lang="en-US" sz="3400" dirty="0"/>
           </a:p>
@@ -14277,17 +14803,6 @@
             <a:r>
               <a:rPr lang="en-US" sz="3400" dirty="0" err="1"/>
               <a:t>funkcionisanja</a:t>
-            </a:r>
-            <a:endParaRPr lang="en-US" sz="3400" dirty="0"/>
-          </a:p>
-          <a:p>
-            <a:pPr>
-              <a:buFont typeface="+mj-lt"/>
-              <a:buAutoNum type="arabicPeriod"/>
-            </a:pPr>
-            <a:r>
-              <a:rPr lang="en-US" sz="3400" dirty="0" err="1"/>
-              <a:t>Arhitektura</a:t>
             </a:r>
             <a:endParaRPr lang="en-US" sz="3400" dirty="0"/>
           </a:p>
@@ -14628,6 +15143,53 @@
           </a:p>
         </p:txBody>
       </p:sp>
+      <p:pic>
+        <p:nvPicPr>
+          <p:cNvPr id="1028" name="Picture 4" descr="GitHub - ionic-team/capacitor: Build cross-platform Native Progressive Web  Apps for iOS, Android, and the Web ⚡️">
+            <a:extLst>
+              <a:ext uri="{FF2B5EF4-FFF2-40B4-BE49-F238E27FC236}">
+                <a16:creationId xmlns:a16="http://schemas.microsoft.com/office/drawing/2014/main" id="{C7A68396-712A-2615-E7BD-28485477D993}"/>
+              </a:ext>
+            </a:extLst>
+          </p:cNvPr>
+          <p:cNvPicPr>
+            <a:picLocks noChangeAspect="1" noChangeArrowheads="1"/>
+          </p:cNvPicPr>
+          <p:nvPr/>
+        </p:nvPicPr>
+        <p:blipFill>
+          <a:blip r:embed="rId2">
+            <a:extLst>
+              <a:ext uri="{28A0092B-C50C-407E-A947-70E740481C1C}">
+                <a14:useLocalDpi xmlns:a14="http://schemas.microsoft.com/office/drawing/2010/main" val="0"/>
+              </a:ext>
+            </a:extLst>
+          </a:blip>
+          <a:srcRect/>
+          <a:stretch>
+            <a:fillRect/>
+          </a:stretch>
+        </p:blipFill>
+        <p:spPr bwMode="auto">
+          <a:xfrm>
+            <a:off x="7131796" y="4919234"/>
+            <a:ext cx="3905250" cy="1171575"/>
+          </a:xfrm>
+          <a:prstGeom prst="rect">
+            <a:avLst/>
+          </a:prstGeom>
+          <a:noFill/>
+          <a:extLst>
+            <a:ext uri="{909E8E84-426E-40DD-AFC4-6F175D3DCCD1}">
+              <a14:hiddenFill xmlns:a14="http://schemas.microsoft.com/office/drawing/2010/main">
+                <a:solidFill>
+                  <a:srgbClr val="FFFFFF"/>
+                </a:solidFill>
+              </a14:hiddenFill>
+            </a:ext>
+          </a:extLst>
+        </p:spPr>
+      </p:pic>
     </p:spTree>
     <p:extLst>
       <p:ext uri="{BB962C8B-B14F-4D97-AF65-F5344CB8AC3E}">
@@ -15051,7 +15613,7 @@
           <p:cNvPr id="2" name="Title 1">
             <a:extLst>
               <a:ext uri="{FF2B5EF4-FFF2-40B4-BE49-F238E27FC236}">
-                <a16:creationId xmlns:a16="http://schemas.microsoft.com/office/drawing/2014/main" id="{4836C216-DE3E-1AAB-35DC-1747653FD4AE}"/>
+                <a16:creationId xmlns:a16="http://schemas.microsoft.com/office/drawing/2014/main" id="{1DE3FB26-4B81-DEB9-7D1A-88DC5B8F937B}"/>
               </a:ext>
             </a:extLst>
           </p:cNvPr>
@@ -15069,7 +15631,7 @@
           <a:p>
             <a:r>
               <a:rPr lang="en-US" dirty="0" err="1"/>
-              <a:t>Kljucne</a:t>
+              <a:t>Arhitektura</a:t>
             </a:r>
             <a:r>
               <a:rPr lang="en-US" dirty="0"/>
@@ -15077,7 +15639,7 @@
             </a:r>
             <a:r>
               <a:rPr lang="en-US" dirty="0" err="1"/>
-              <a:t>karakteristike</a:t>
+              <a:t>Capacitora</a:t>
             </a:r>
             <a:endParaRPr lang="en-US" dirty="0"/>
           </a:p>
@@ -15088,7 +15650,7 @@
           <p:cNvPr id="3" name="Content Placeholder 2">
             <a:extLst>
               <a:ext uri="{FF2B5EF4-FFF2-40B4-BE49-F238E27FC236}">
-                <a16:creationId xmlns:a16="http://schemas.microsoft.com/office/drawing/2014/main" id="{F4F09C10-7895-47B4-2F89-75BF103ED6CD}"/>
+                <a16:creationId xmlns:a16="http://schemas.microsoft.com/office/drawing/2014/main" id="{AC271CCF-B45A-8D5A-732E-F42AA3246688}"/>
               </a:ext>
             </a:extLst>
           </p:cNvPr>
@@ -15106,19 +15668,23 @@
           <a:p>
             <a:r>
               <a:rPr lang="en-US" b="1" dirty="0"/>
-              <a:t>Native Bridge- </a:t>
-            </a:r>
-            <a:r>
-              <a:rPr lang="en-US" dirty="0" err="1"/>
-              <a:t>Omogucava</a:t>
-            </a:r>
-            <a:r>
-              <a:rPr lang="en-US" dirty="0"/>
-              <a:t> JavaScript-u da </a:t>
-            </a:r>
-            <a:r>
-              <a:rPr lang="en-US" dirty="0" err="1"/>
-              <a:t>poziva</a:t>
+              <a:t>WebView- </a:t>
+            </a:r>
+            <a:r>
+              <a:rPr lang="en-US" dirty="0"/>
+              <a:t>Angular </a:t>
+            </a:r>
+            <a:r>
+              <a:rPr lang="en-US" dirty="0" err="1"/>
+              <a:t>aplikacija</a:t>
+            </a:r>
+            <a:r>
+              <a:rPr lang="en-US" dirty="0"/>
+              <a:t> se izvrsava </a:t>
+            </a:r>
+            <a:r>
+              <a:rPr lang="en-US" dirty="0" err="1"/>
+              <a:t>unutar</a:t>
             </a:r>
             <a:r>
               <a:rPr lang="en-US" dirty="0"/>
@@ -15126,7 +15692,7 @@
             </a:r>
             <a:r>
               <a:rPr lang="en-US" dirty="0" err="1"/>
-              <a:t>nativni</a:t>
+              <a:t>optimizovanog</a:t>
             </a:r>
             <a:r>
               <a:rPr lang="en-US" dirty="0"/>
@@ -15134,15 +15700,144 @@
             </a:r>
             <a:r>
               <a:rPr lang="en-US" dirty="0" err="1"/>
+              <a:t>pretrazivaca</a:t>
+            </a:r>
+            <a:r>
+              <a:rPr lang="en-US" dirty="0"/>
+              <a:t> koji je </a:t>
+            </a:r>
+            <a:r>
+              <a:rPr lang="en-US" dirty="0" err="1"/>
+              <a:t>ugradjen</a:t>
+            </a:r>
+            <a:r>
+              <a:rPr lang="en-US" dirty="0"/>
+              <a:t> u </a:t>
+            </a:r>
+            <a:r>
+              <a:rPr lang="en-US" dirty="0" err="1"/>
+              <a:t>samu</a:t>
+            </a:r>
+            <a:r>
+              <a:rPr lang="en-US" dirty="0"/>
+              <a:t> </a:t>
+            </a:r>
+            <a:r>
+              <a:rPr lang="en-US" dirty="0" err="1"/>
+              <a:t>aplikaciju</a:t>
+            </a:r>
+            <a:r>
+              <a:rPr lang="en-US" dirty="0"/>
+              <a:t>.</a:t>
+            </a:r>
+          </a:p>
+          <a:p>
+            <a:r>
+              <a:rPr lang="en-US" b="1" dirty="0"/>
+              <a:t>Capacitor Bridge</a:t>
+            </a:r>
+            <a:r>
+              <a:rPr lang="en-US" dirty="0"/>
+              <a:t>- </a:t>
+            </a:r>
+            <a:r>
+              <a:rPr lang="en-US" dirty="0" err="1"/>
+              <a:t>Sloj</a:t>
+            </a:r>
+            <a:r>
+              <a:rPr lang="en-US" dirty="0"/>
+              <a:t> koji </a:t>
+            </a:r>
+            <a:r>
+              <a:rPr lang="en-US" dirty="0" err="1"/>
+              <a:t>prevodi</a:t>
+            </a:r>
+            <a:r>
+              <a:rPr lang="en-US" dirty="0"/>
+              <a:t> JavaScript </a:t>
+            </a:r>
+            <a:r>
+              <a:rPr lang="en-US" dirty="0" err="1"/>
               <a:t>kod</a:t>
             </a:r>
             <a:r>
               <a:rPr lang="en-US" dirty="0"/>
-              <a:t>( Kamera, </a:t>
-            </a:r>
-            <a:r>
-              <a:rPr lang="en-US" dirty="0" err="1"/>
-              <a:t>Gps</a:t>
+              <a:t> u Native </a:t>
+            </a:r>
+            <a:r>
+              <a:rPr lang="en-US" dirty="0" err="1"/>
+              <a:t>kod</a:t>
+            </a:r>
+            <a:endParaRPr lang="en-US" dirty="0"/>
+          </a:p>
+          <a:p>
+            <a:r>
+              <a:rPr lang="en-US" b="1" dirty="0"/>
+              <a:t>Runtime Dependency- </a:t>
+            </a:r>
+            <a:r>
+              <a:rPr lang="en-US" dirty="0"/>
+              <a:t>Za </a:t>
+            </a:r>
+            <a:r>
+              <a:rPr lang="en-US" dirty="0" err="1"/>
+              <a:t>razliku</a:t>
+            </a:r>
+            <a:r>
+              <a:rPr lang="en-US" dirty="0"/>
+              <a:t> od </a:t>
+            </a:r>
+            <a:r>
+              <a:rPr lang="en-US" dirty="0" err="1"/>
+              <a:t>Fluttera</a:t>
+            </a:r>
+            <a:r>
+              <a:rPr lang="en-US" dirty="0"/>
+              <a:t> koji </a:t>
+            </a:r>
+            <a:r>
+              <a:rPr lang="en-US" dirty="0" err="1"/>
+              <a:t>crta</a:t>
+            </a:r>
+            <a:r>
+              <a:rPr lang="en-US" dirty="0"/>
+              <a:t> </a:t>
+            </a:r>
+            <a:r>
+              <a:rPr lang="en-US" dirty="0" err="1"/>
+              <a:t>svoje</a:t>
+            </a:r>
+            <a:r>
+              <a:rPr lang="en-US" dirty="0"/>
+              <a:t> UI </a:t>
+            </a:r>
+            <a:r>
+              <a:rPr lang="en-US" dirty="0" err="1"/>
+              <a:t>komponente</a:t>
+            </a:r>
+            <a:r>
+              <a:rPr lang="en-US" dirty="0"/>
+              <a:t>, Capacitor </a:t>
+            </a:r>
+            <a:r>
+              <a:rPr lang="en-US" dirty="0" err="1"/>
+              <a:t>koristi</a:t>
+            </a:r>
+            <a:r>
+              <a:rPr lang="en-US" dirty="0"/>
+              <a:t> </a:t>
+            </a:r>
+            <a:r>
+              <a:rPr lang="en-US" dirty="0" err="1"/>
+              <a:t>standardne</a:t>
+            </a:r>
+            <a:r>
+              <a:rPr lang="en-US" dirty="0"/>
+              <a:t> Web </a:t>
+            </a:r>
+            <a:r>
+              <a:rPr lang="en-US" dirty="0" err="1"/>
+              <a:t>elemente</a:t>
             </a:r>
             <a:r>
               <a:rPr lang="en-US" dirty="0"/>
@@ -15150,15 +15845,7 @@
             </a:r>
             <a:r>
               <a:rPr lang="en-US" dirty="0" err="1"/>
-              <a:t>Biometrija</a:t>
-            </a:r>
-            <a:r>
-              <a:rPr lang="en-US" dirty="0"/>
-              <a:t>) </a:t>
-            </a:r>
-            <a:r>
-              <a:rPr lang="en-US" dirty="0" err="1"/>
-              <a:t>putem</a:t>
+              <a:t>sto</a:t>
             </a:r>
             <a:r>
               <a:rPr lang="en-US" dirty="0"/>
@@ -15166,41 +15853,15 @@
             </a:r>
             <a:r>
               <a:rPr lang="en-US" dirty="0" err="1"/>
-              <a:t>jednostavnih</a:t>
-            </a:r>
-            <a:r>
-              <a:rPr lang="en-US" dirty="0"/>
-              <a:t> API-ja.</a:t>
-            </a:r>
-          </a:p>
-          <a:p>
-            <a:r>
-              <a:rPr lang="en-US" b="1" dirty="0"/>
-              <a:t>Web standard- </a:t>
-            </a:r>
-            <a:r>
-              <a:rPr lang="en-US" dirty="0"/>
-              <a:t>Za </a:t>
-            </a:r>
-            <a:r>
-              <a:rPr lang="en-US" dirty="0" err="1"/>
-              <a:t>razliku</a:t>
-            </a:r>
-            <a:r>
-              <a:rPr lang="en-US" dirty="0"/>
-              <a:t> od React Native-a </a:t>
-            </a:r>
-            <a:r>
-              <a:rPr lang="en-US" dirty="0" err="1"/>
-              <a:t>ili</a:t>
-            </a:r>
-            <a:r>
-              <a:rPr lang="en-US" dirty="0"/>
-              <a:t> Flutter-a, Capacitor </a:t>
-            </a:r>
-            <a:r>
-              <a:rPr lang="en-US" dirty="0" err="1"/>
-              <a:t>koristi</a:t>
+              <a:t>znaci</a:t>
+            </a:r>
+            <a:r>
+              <a:rPr lang="en-US" dirty="0"/>
+              <a:t> da CSS </a:t>
+            </a:r>
+            <a:r>
+              <a:rPr lang="en-US" dirty="0" err="1"/>
+              <a:t>iz</a:t>
             </a:r>
             <a:r>
               <a:rPr lang="en-US" dirty="0"/>
@@ -15208,15 +15869,7 @@
             </a:r>
             <a:r>
               <a:rPr lang="en-US" dirty="0" err="1"/>
-              <a:t>standardni</a:t>
-            </a:r>
-            <a:r>
-              <a:rPr lang="en-US" dirty="0"/>
-              <a:t> web browser view </a:t>
-            </a:r>
-            <a:r>
-              <a:rPr lang="en-US" dirty="0" err="1"/>
-              <a:t>sto</a:t>
+              <a:t>Angulara</a:t>
             </a:r>
             <a:r>
               <a:rPr lang="en-US" dirty="0"/>
@@ -15224,15 +15877,7 @@
             </a:r>
             <a:r>
               <a:rPr lang="en-US" dirty="0" err="1"/>
-              <a:t>znaci</a:t>
-            </a:r>
-            <a:r>
-              <a:rPr lang="en-US" dirty="0"/>
-              <a:t> da sav CSS I Angular </a:t>
-            </a:r>
-            <a:r>
-              <a:rPr lang="en-US" dirty="0" err="1"/>
-              <a:t>kod</a:t>
+              <a:t>identicno</a:t>
             </a:r>
             <a:r>
               <a:rPr lang="en-US" dirty="0"/>
@@ -15240,7 +15885,7 @@
             </a:r>
             <a:r>
               <a:rPr lang="en-US" dirty="0" err="1"/>
-              <a:t>radi</a:t>
+              <a:t>izgleda</a:t>
             </a:r>
             <a:r>
               <a:rPr lang="en-US" dirty="0"/>
@@ -15248,53 +15893,19 @@
             </a:r>
             <a:r>
               <a:rPr lang="en-US" dirty="0" err="1"/>
-              <a:t>identicno</a:t>
+              <a:t>na</a:t>
+            </a:r>
+            <a:r>
+              <a:rPr lang="en-US" dirty="0"/>
+              <a:t> </a:t>
+            </a:r>
+            <a:r>
+              <a:rPr lang="en-US" dirty="0" err="1"/>
+              <a:t>telefonu</a:t>
             </a:r>
             <a:r>
               <a:rPr lang="en-US" dirty="0"/>
               <a:t>.</a:t>
-            </a:r>
-          </a:p>
-          <a:p>
-            <a:r>
-              <a:rPr lang="en-US" b="1" dirty="0" err="1"/>
-              <a:t>Maintence</a:t>
-            </a:r>
-            <a:r>
-              <a:rPr lang="en-US" b="1" dirty="0"/>
-              <a:t>-</a:t>
-            </a:r>
-            <a:r>
-              <a:rPr lang="en-US" dirty="0"/>
-              <a:t> </a:t>
-            </a:r>
-            <a:r>
-              <a:rPr lang="en-US" dirty="0" err="1"/>
-              <a:t>potpuna</a:t>
-            </a:r>
-            <a:r>
-              <a:rPr lang="en-US" dirty="0"/>
-              <a:t> </a:t>
-            </a:r>
-            <a:r>
-              <a:rPr lang="en-US" dirty="0" err="1"/>
-              <a:t>kontrola</a:t>
-            </a:r>
-            <a:r>
-              <a:rPr lang="en-US" dirty="0"/>
-              <a:t> </a:t>
-            </a:r>
-            <a:r>
-              <a:rPr lang="en-US" dirty="0" err="1"/>
-              <a:t>nad</a:t>
-            </a:r>
-            <a:r>
-              <a:rPr lang="en-US" dirty="0"/>
-              <a:t> </a:t>
-            </a:r>
-            <a:r>
-              <a:rPr lang="en-US" dirty="0" err="1"/>
-              <a:t>konfiguracijom</a:t>
             </a:r>
             <a:endParaRPr lang="en-US" b="1" dirty="0"/>
           </a:p>
@@ -15303,7 +15914,7 @@
     </p:spTree>
     <p:extLst>
       <p:ext uri="{BB962C8B-B14F-4D97-AF65-F5344CB8AC3E}">
-        <p14:creationId xmlns:p14="http://schemas.microsoft.com/office/powerpoint/2010/main" val="3965989651"/>
+        <p14:creationId xmlns:p14="http://schemas.microsoft.com/office/powerpoint/2010/main" val="2492189029"/>
       </p:ext>
     </p:extLst>
   </p:cSld>
@@ -15918,6 +16529,53 @@
           </a:p>
         </p:txBody>
       </p:sp>
+      <p:pic>
+        <p:nvPicPr>
+          <p:cNvPr id="2050" name="Picture 2" descr="How Capacitor Works - Ionic Blog">
+            <a:extLst>
+              <a:ext uri="{FF2B5EF4-FFF2-40B4-BE49-F238E27FC236}">
+                <a16:creationId xmlns:a16="http://schemas.microsoft.com/office/drawing/2014/main" id="{B3118BA1-06EE-512E-E114-30A41EF81B4C}"/>
+              </a:ext>
+            </a:extLst>
+          </p:cNvPr>
+          <p:cNvPicPr>
+            <a:picLocks noChangeAspect="1" noChangeArrowheads="1"/>
+          </p:cNvPicPr>
+          <p:nvPr/>
+        </p:nvPicPr>
+        <p:blipFill>
+          <a:blip r:embed="rId2">
+            <a:extLst>
+              <a:ext uri="{28A0092B-C50C-407E-A947-70E740481C1C}">
+                <a14:useLocalDpi xmlns:a14="http://schemas.microsoft.com/office/drawing/2010/main" val="0"/>
+              </a:ext>
+            </a:extLst>
+          </a:blip>
+          <a:srcRect/>
+          <a:stretch>
+            <a:fillRect/>
+          </a:stretch>
+        </p:blipFill>
+        <p:spPr bwMode="auto">
+          <a:xfrm>
+            <a:off x="9829493" y="4503789"/>
+            <a:ext cx="2266950" cy="2019300"/>
+          </a:xfrm>
+          <a:prstGeom prst="rect">
+            <a:avLst/>
+          </a:prstGeom>
+          <a:noFill/>
+          <a:extLst>
+            <a:ext uri="{909E8E84-426E-40DD-AFC4-6F175D3DCCD1}">
+              <a14:hiddenFill xmlns:a14="http://schemas.microsoft.com/office/drawing/2010/main">
+                <a:solidFill>
+                  <a:srgbClr val="FFFFFF"/>
+                </a:solidFill>
+              </a14:hiddenFill>
+            </a:ext>
+          </a:extLst>
+        </p:spPr>
+      </p:pic>
     </p:spTree>
     <p:extLst>
       <p:ext uri="{BB962C8B-B14F-4D97-AF65-F5344CB8AC3E}">
@@ -15932,343 +16590,6 @@
 </file>
 
 <file path=ppt/slides/slide7.xml><?xml version="1.0" encoding="utf-8"?>
-<p:sld xmlns:a="http://schemas.openxmlformats.org/drawingml/2006/main" xmlns:r="http://schemas.openxmlformats.org/officeDocument/2006/relationships" xmlns:p="http://schemas.openxmlformats.org/presentationml/2006/main">
-  <p:cSld>
-    <p:spTree>
-      <p:nvGrpSpPr>
-        <p:cNvPr id="1" name=""/>
-        <p:cNvGrpSpPr/>
-        <p:nvPr/>
-      </p:nvGrpSpPr>
-      <p:grpSpPr>
-        <a:xfrm>
-          <a:off x="0" y="0"/>
-          <a:ext cx="0" cy="0"/>
-          <a:chOff x="0" y="0"/>
-          <a:chExt cx="0" cy="0"/>
-        </a:xfrm>
-      </p:grpSpPr>
-      <p:sp>
-        <p:nvSpPr>
-          <p:cNvPr id="2" name="Title 1">
-            <a:extLst>
-              <a:ext uri="{FF2B5EF4-FFF2-40B4-BE49-F238E27FC236}">
-                <a16:creationId xmlns:a16="http://schemas.microsoft.com/office/drawing/2014/main" id="{1DE3FB26-4B81-DEB9-7D1A-88DC5B8F937B}"/>
-              </a:ext>
-            </a:extLst>
-          </p:cNvPr>
-          <p:cNvSpPr>
-            <a:spLocks noGrp="1"/>
-          </p:cNvSpPr>
-          <p:nvPr>
-            <p:ph type="title"/>
-          </p:nvPr>
-        </p:nvSpPr>
-        <p:spPr/>
-        <p:txBody>
-          <a:bodyPr/>
-          <a:lstStyle/>
-          <a:p>
-            <a:r>
-              <a:rPr lang="en-US" dirty="0" err="1"/>
-              <a:t>Arhitektura</a:t>
-            </a:r>
-            <a:r>
-              <a:rPr lang="en-US" dirty="0"/>
-              <a:t> </a:t>
-            </a:r>
-            <a:r>
-              <a:rPr lang="en-US" dirty="0" err="1"/>
-              <a:t>Capacitora</a:t>
-            </a:r>
-            <a:endParaRPr lang="en-US" dirty="0"/>
-          </a:p>
-        </p:txBody>
-      </p:sp>
-      <p:sp>
-        <p:nvSpPr>
-          <p:cNvPr id="3" name="Content Placeholder 2">
-            <a:extLst>
-              <a:ext uri="{FF2B5EF4-FFF2-40B4-BE49-F238E27FC236}">
-                <a16:creationId xmlns:a16="http://schemas.microsoft.com/office/drawing/2014/main" id="{AC271CCF-B45A-8D5A-732E-F42AA3246688}"/>
-              </a:ext>
-            </a:extLst>
-          </p:cNvPr>
-          <p:cNvSpPr>
-            <a:spLocks noGrp="1"/>
-          </p:cNvSpPr>
-          <p:nvPr>
-            <p:ph idx="1"/>
-          </p:nvPr>
-        </p:nvSpPr>
-        <p:spPr/>
-        <p:txBody>
-          <a:bodyPr/>
-          <a:lstStyle/>
-          <a:p>
-            <a:r>
-              <a:rPr lang="en-US" b="1" dirty="0"/>
-              <a:t>WebView- </a:t>
-            </a:r>
-            <a:r>
-              <a:rPr lang="en-US" dirty="0"/>
-              <a:t>Angular </a:t>
-            </a:r>
-            <a:r>
-              <a:rPr lang="en-US" dirty="0" err="1"/>
-              <a:t>aplikacija</a:t>
-            </a:r>
-            <a:r>
-              <a:rPr lang="en-US" dirty="0"/>
-              <a:t> se izvrsava </a:t>
-            </a:r>
-            <a:r>
-              <a:rPr lang="en-US" dirty="0" err="1"/>
-              <a:t>unutar</a:t>
-            </a:r>
-            <a:r>
-              <a:rPr lang="en-US" dirty="0"/>
-              <a:t> </a:t>
-            </a:r>
-            <a:r>
-              <a:rPr lang="en-US" dirty="0" err="1"/>
-              <a:t>optimizovanog</a:t>
-            </a:r>
-            <a:r>
-              <a:rPr lang="en-US" dirty="0"/>
-              <a:t> </a:t>
-            </a:r>
-            <a:r>
-              <a:rPr lang="en-US" dirty="0" err="1"/>
-              <a:t>pretrazivaca</a:t>
-            </a:r>
-            <a:r>
-              <a:rPr lang="en-US" dirty="0"/>
-              <a:t> koji je </a:t>
-            </a:r>
-            <a:r>
-              <a:rPr lang="en-US" dirty="0" err="1"/>
-              <a:t>ugradjen</a:t>
-            </a:r>
-            <a:r>
-              <a:rPr lang="en-US" dirty="0"/>
-              <a:t> u </a:t>
-            </a:r>
-            <a:r>
-              <a:rPr lang="en-US" dirty="0" err="1"/>
-              <a:t>samu</a:t>
-            </a:r>
-            <a:r>
-              <a:rPr lang="en-US" dirty="0"/>
-              <a:t> </a:t>
-            </a:r>
-            <a:r>
-              <a:rPr lang="en-US" dirty="0" err="1"/>
-              <a:t>aplikaciju</a:t>
-            </a:r>
-            <a:r>
-              <a:rPr lang="en-US" dirty="0"/>
-              <a:t>.</a:t>
-            </a:r>
-          </a:p>
-          <a:p>
-            <a:r>
-              <a:rPr lang="en-US" b="1" dirty="0"/>
-              <a:t>Capacitor </a:t>
-            </a:r>
-            <a:r>
-              <a:rPr lang="en-US" b="1" dirty="0" err="1"/>
-              <a:t>Brige</a:t>
-            </a:r>
-            <a:r>
-              <a:rPr lang="en-US" dirty="0"/>
-              <a:t>- </a:t>
-            </a:r>
-            <a:r>
-              <a:rPr lang="en-US" dirty="0" err="1"/>
-              <a:t>Sloj</a:t>
-            </a:r>
-            <a:r>
-              <a:rPr lang="en-US" dirty="0"/>
-              <a:t> koji </a:t>
-            </a:r>
-            <a:r>
-              <a:rPr lang="en-US" dirty="0" err="1"/>
-              <a:t>prevodi</a:t>
-            </a:r>
-            <a:r>
-              <a:rPr lang="en-US" dirty="0"/>
-              <a:t> JavaScript </a:t>
-            </a:r>
-            <a:r>
-              <a:rPr lang="en-US" dirty="0" err="1"/>
-              <a:t>kod</a:t>
-            </a:r>
-            <a:r>
-              <a:rPr lang="en-US" dirty="0"/>
-              <a:t> u Native </a:t>
-            </a:r>
-            <a:r>
-              <a:rPr lang="en-US" dirty="0" err="1"/>
-              <a:t>kod</a:t>
-            </a:r>
-            <a:endParaRPr lang="en-US" dirty="0"/>
-          </a:p>
-          <a:p>
-            <a:r>
-              <a:rPr lang="en-US" b="1" dirty="0"/>
-              <a:t>Runtime Dependency- </a:t>
-            </a:r>
-            <a:r>
-              <a:rPr lang="en-US" dirty="0"/>
-              <a:t>Za </a:t>
-            </a:r>
-            <a:r>
-              <a:rPr lang="en-US" dirty="0" err="1"/>
-              <a:t>razliku</a:t>
-            </a:r>
-            <a:r>
-              <a:rPr lang="en-US" dirty="0"/>
-              <a:t> od </a:t>
-            </a:r>
-            <a:r>
-              <a:rPr lang="en-US" dirty="0" err="1"/>
-              <a:t>Fluttera</a:t>
-            </a:r>
-            <a:r>
-              <a:rPr lang="en-US" dirty="0"/>
-              <a:t> koji </a:t>
-            </a:r>
-            <a:r>
-              <a:rPr lang="en-US" dirty="0" err="1"/>
-              <a:t>crta</a:t>
-            </a:r>
-            <a:r>
-              <a:rPr lang="en-US" dirty="0"/>
-              <a:t> </a:t>
-            </a:r>
-            <a:r>
-              <a:rPr lang="en-US" dirty="0" err="1"/>
-              <a:t>svoje</a:t>
-            </a:r>
-            <a:r>
-              <a:rPr lang="en-US" dirty="0"/>
-              <a:t> UI </a:t>
-            </a:r>
-            <a:r>
-              <a:rPr lang="en-US" dirty="0" err="1"/>
-              <a:t>komponente</a:t>
-            </a:r>
-            <a:r>
-              <a:rPr lang="en-US" dirty="0"/>
-              <a:t>, Capacitor </a:t>
-            </a:r>
-            <a:r>
-              <a:rPr lang="en-US" dirty="0" err="1"/>
-              <a:t>koristi</a:t>
-            </a:r>
-            <a:r>
-              <a:rPr lang="en-US" dirty="0"/>
-              <a:t> </a:t>
-            </a:r>
-            <a:r>
-              <a:rPr lang="en-US" dirty="0" err="1"/>
-              <a:t>standardne</a:t>
-            </a:r>
-            <a:r>
-              <a:rPr lang="en-US" dirty="0"/>
-              <a:t> Web </a:t>
-            </a:r>
-            <a:r>
-              <a:rPr lang="en-US" dirty="0" err="1"/>
-              <a:t>elemente</a:t>
-            </a:r>
-            <a:r>
-              <a:rPr lang="en-US" dirty="0"/>
-              <a:t>, </a:t>
-            </a:r>
-            <a:r>
-              <a:rPr lang="en-US" dirty="0" err="1"/>
-              <a:t>sto</a:t>
-            </a:r>
-            <a:r>
-              <a:rPr lang="en-US" dirty="0"/>
-              <a:t> </a:t>
-            </a:r>
-            <a:r>
-              <a:rPr lang="en-US" dirty="0" err="1"/>
-              <a:t>znaci</a:t>
-            </a:r>
-            <a:r>
-              <a:rPr lang="en-US" dirty="0"/>
-              <a:t> da CSS </a:t>
-            </a:r>
-            <a:r>
-              <a:rPr lang="en-US" dirty="0" err="1"/>
-              <a:t>iz</a:t>
-            </a:r>
-            <a:r>
-              <a:rPr lang="en-US" dirty="0"/>
-              <a:t> </a:t>
-            </a:r>
-            <a:r>
-              <a:rPr lang="en-US" dirty="0" err="1"/>
-              <a:t>Angulara</a:t>
-            </a:r>
-            <a:r>
-              <a:rPr lang="en-US" dirty="0"/>
-              <a:t> </a:t>
-            </a:r>
-            <a:r>
-              <a:rPr lang="en-US" dirty="0" err="1"/>
-              <a:t>identicno</a:t>
-            </a:r>
-            <a:r>
-              <a:rPr lang="en-US" dirty="0"/>
-              <a:t> </a:t>
-            </a:r>
-            <a:r>
-              <a:rPr lang="en-US" dirty="0" err="1"/>
-              <a:t>izgleda</a:t>
-            </a:r>
-            <a:r>
-              <a:rPr lang="en-US" dirty="0"/>
-              <a:t> </a:t>
-            </a:r>
-            <a:r>
-              <a:rPr lang="en-US" dirty="0" err="1"/>
-              <a:t>na</a:t>
-            </a:r>
-            <a:r>
-              <a:rPr lang="en-US" dirty="0"/>
-              <a:t> </a:t>
-            </a:r>
-            <a:r>
-              <a:rPr lang="en-US" dirty="0" err="1"/>
-              <a:t>telefonu</a:t>
-            </a:r>
-            <a:r>
-              <a:rPr lang="en-US" dirty="0"/>
-              <a:t>.</a:t>
-            </a:r>
-            <a:endParaRPr lang="en-US" b="1" dirty="0"/>
-          </a:p>
-        </p:txBody>
-      </p:sp>
-    </p:spTree>
-    <p:extLst>
-      <p:ext uri="{BB962C8B-B14F-4D97-AF65-F5344CB8AC3E}">
-        <p14:creationId xmlns:p14="http://schemas.microsoft.com/office/powerpoint/2010/main" val="2492189029"/>
-      </p:ext>
-    </p:extLst>
-  </p:cSld>
-  <p:clrMapOvr>
-    <a:masterClrMapping/>
-  </p:clrMapOvr>
-</p:sld>
-</file>
-
-<file path=ppt/slides/slide8.xml><?xml version="1.0" encoding="utf-8"?>
 <p:sld xmlns:a="http://schemas.openxmlformats.org/drawingml/2006/main" xmlns:r="http://schemas.openxmlformats.org/officeDocument/2006/relationships" xmlns:p="http://schemas.openxmlformats.org/presentationml/2006/main">
   <p:cSld>
     <p:spTree>
@@ -16578,7 +16899,7 @@
 </p:sld>
 </file>
 
-<file path=ppt/slides/slide9.xml><?xml version="1.0" encoding="utf-8"?>
+<file path=ppt/slides/slide8.xml><?xml version="1.0" encoding="utf-8"?>
 <p:sld xmlns:a="http://schemas.openxmlformats.org/drawingml/2006/main" xmlns:r="http://schemas.openxmlformats.org/officeDocument/2006/relationships" xmlns:p="http://schemas.openxmlformats.org/presentationml/2006/main">
   <p:cSld>
     <p:spTree>
@@ -16847,8 +17168,12 @@
               <a:t>- </a:t>
             </a:r>
             <a:r>
-              <a:rPr lang="en-US" dirty="0"/>
-              <a:t>svaci Web programmer moze “</a:t>
+              <a:rPr lang="en-US" dirty="0" err="1"/>
+              <a:t>svaki</a:t>
+            </a:r>
+            <a:r>
+              <a:rPr lang="en-US" dirty="0"/>
+              <a:t> Web programmer moze “</a:t>
             </a:r>
             <a:r>
               <a:rPr lang="en-US" dirty="0" err="1"/>
@@ -16882,6 +17207,253 @@
     <p:extLst>
       <p:ext uri="{BB962C8B-B14F-4D97-AF65-F5344CB8AC3E}">
         <p14:creationId xmlns:p14="http://schemas.microsoft.com/office/powerpoint/2010/main" val="1428770616"/>
+      </p:ext>
+    </p:extLst>
+  </p:cSld>
+  <p:clrMapOvr>
+    <a:masterClrMapping/>
+  </p:clrMapOvr>
+</p:sld>
+</file>
+
+<file path=ppt/slides/slide9.xml><?xml version="1.0" encoding="utf-8"?>
+<p:sld xmlns:a="http://schemas.openxmlformats.org/drawingml/2006/main" xmlns:r="http://schemas.openxmlformats.org/officeDocument/2006/relationships" xmlns:p="http://schemas.openxmlformats.org/presentationml/2006/main">
+  <p:cSld>
+    <p:spTree>
+      <p:nvGrpSpPr>
+        <p:cNvPr id="1" name=""/>
+        <p:cNvGrpSpPr/>
+        <p:nvPr/>
+      </p:nvGrpSpPr>
+      <p:grpSpPr>
+        <a:xfrm>
+          <a:off x="0" y="0"/>
+          <a:ext cx="0" cy="0"/>
+          <a:chOff x="0" y="0"/>
+          <a:chExt cx="0" cy="0"/>
+        </a:xfrm>
+      </p:grpSpPr>
+      <p:sp>
+        <p:nvSpPr>
+          <p:cNvPr id="2" name="Title 1">
+            <a:extLst>
+              <a:ext uri="{FF2B5EF4-FFF2-40B4-BE49-F238E27FC236}">
+                <a16:creationId xmlns:a16="http://schemas.microsoft.com/office/drawing/2014/main" id="{6991BE73-C316-93E8-3811-CDEF16A8E93D}"/>
+              </a:ext>
+            </a:extLst>
+          </p:cNvPr>
+          <p:cNvSpPr>
+            <a:spLocks noGrp="1"/>
+          </p:cNvSpPr>
+          <p:nvPr>
+            <p:ph type="title"/>
+          </p:nvPr>
+        </p:nvSpPr>
+        <p:spPr/>
+        <p:txBody>
+          <a:bodyPr/>
+          <a:lstStyle/>
+          <a:p>
+            <a:r>
+              <a:rPr lang="en-US" dirty="0"/>
+              <a:t>Native API </a:t>
+            </a:r>
+            <a:r>
+              <a:rPr lang="en-US" dirty="0" err="1"/>
+              <a:t>koje</a:t>
+            </a:r>
+            <a:r>
+              <a:rPr lang="en-US" dirty="0"/>
+              <a:t> Capacitor </a:t>
+            </a:r>
+            <a:r>
+              <a:rPr lang="en-US" dirty="0" err="1"/>
+              <a:t>nudi</a:t>
+            </a:r>
+            <a:endParaRPr lang="en-US" dirty="0"/>
+          </a:p>
+        </p:txBody>
+      </p:sp>
+      <p:sp>
+        <p:nvSpPr>
+          <p:cNvPr id="3" name="Content Placeholder 2">
+            <a:extLst>
+              <a:ext uri="{FF2B5EF4-FFF2-40B4-BE49-F238E27FC236}">
+                <a16:creationId xmlns:a16="http://schemas.microsoft.com/office/drawing/2014/main" id="{31323883-A183-80EF-323B-5F27E8145F71}"/>
+              </a:ext>
+            </a:extLst>
+          </p:cNvPr>
+          <p:cNvSpPr>
+            <a:spLocks noGrp="1"/>
+          </p:cNvSpPr>
+          <p:nvPr>
+            <p:ph idx="1"/>
+          </p:nvPr>
+        </p:nvSpPr>
+        <p:spPr/>
+        <p:txBody>
+          <a:bodyPr/>
+          <a:lstStyle/>
+          <a:p>
+            <a:r>
+              <a:rPr lang="en-US" b="1" dirty="0"/>
+              <a:t>Camera- </a:t>
+            </a:r>
+            <a:r>
+              <a:rPr lang="en-US" dirty="0" err="1"/>
+              <a:t>snimanje</a:t>
+            </a:r>
+            <a:r>
+              <a:rPr lang="en-US" dirty="0"/>
+              <a:t> </a:t>
+            </a:r>
+            <a:r>
+              <a:rPr lang="en-US" dirty="0" err="1"/>
+              <a:t>fotografija</a:t>
+            </a:r>
+            <a:r>
+              <a:rPr lang="en-US" dirty="0"/>
+              <a:t> I </a:t>
+            </a:r>
+            <a:r>
+              <a:rPr lang="en-US" dirty="0" err="1"/>
+              <a:t>videa</a:t>
+            </a:r>
+            <a:r>
+              <a:rPr lang="en-US" dirty="0"/>
+              <a:t>.</a:t>
+            </a:r>
+          </a:p>
+          <a:p>
+            <a:r>
+              <a:rPr lang="en-US" b="1" dirty="0"/>
+              <a:t>Geolocation- </a:t>
+            </a:r>
+            <a:r>
+              <a:rPr lang="en-US" dirty="0" err="1"/>
+              <a:t>prezicno</a:t>
+            </a:r>
+            <a:r>
+              <a:rPr lang="en-US" dirty="0"/>
+              <a:t> </a:t>
+            </a:r>
+            <a:r>
+              <a:rPr lang="en-US" dirty="0" err="1"/>
+              <a:t>pracenje</a:t>
+            </a:r>
+            <a:r>
+              <a:rPr lang="en-US" dirty="0"/>
+              <a:t> </a:t>
+            </a:r>
+            <a:r>
+              <a:rPr lang="en-US" dirty="0" err="1"/>
+              <a:t>lokacije</a:t>
+            </a:r>
+            <a:endParaRPr lang="en-US" dirty="0"/>
+          </a:p>
+          <a:p>
+            <a:r>
+              <a:rPr lang="en-US" b="1" dirty="0"/>
+              <a:t>Push Notification- </a:t>
+            </a:r>
+            <a:r>
+              <a:rPr lang="en-US" dirty="0" err="1"/>
+              <a:t>slanje</a:t>
+            </a:r>
+            <a:r>
+              <a:rPr lang="en-US" dirty="0"/>
+              <a:t> </a:t>
+            </a:r>
+            <a:r>
+              <a:rPr lang="en-US" dirty="0" err="1"/>
+              <a:t>obavestenja</a:t>
+            </a:r>
+            <a:r>
+              <a:rPr lang="en-US" dirty="0"/>
+              <a:t> </a:t>
+            </a:r>
+            <a:r>
+              <a:rPr lang="en-US" dirty="0" err="1"/>
+              <a:t>korisnicima</a:t>
+            </a:r>
+            <a:endParaRPr lang="en-US" dirty="0"/>
+          </a:p>
+          <a:p>
+            <a:r>
+              <a:rPr lang="en-US" b="1" dirty="0"/>
+              <a:t>Haptics- </a:t>
+            </a:r>
+            <a:r>
+              <a:rPr lang="en-US" dirty="0" err="1"/>
+              <a:t>Upravljanje</a:t>
+            </a:r>
+            <a:r>
+              <a:rPr lang="en-US" dirty="0"/>
+              <a:t> </a:t>
+            </a:r>
+            <a:r>
+              <a:rPr lang="en-US" dirty="0" err="1"/>
+              <a:t>vibracijom</a:t>
+            </a:r>
+            <a:r>
+              <a:rPr lang="en-US" dirty="0"/>
+              <a:t> </a:t>
+            </a:r>
+            <a:r>
+              <a:rPr lang="en-US" dirty="0" err="1"/>
+              <a:t>telefona</a:t>
+            </a:r>
+            <a:endParaRPr lang="en-US" dirty="0"/>
+          </a:p>
+          <a:p>
+            <a:r>
+              <a:rPr lang="en-US" b="1" dirty="0"/>
+              <a:t>File system- </a:t>
+            </a:r>
+            <a:r>
+              <a:rPr lang="en-US" dirty="0" err="1"/>
+              <a:t>Cuvanje</a:t>
+            </a:r>
+            <a:r>
+              <a:rPr lang="en-US" dirty="0"/>
+              <a:t> </a:t>
+            </a:r>
+            <a:r>
+              <a:rPr lang="en-US" dirty="0" err="1"/>
+              <a:t>fajlova</a:t>
+            </a:r>
+            <a:r>
+              <a:rPr lang="en-US" dirty="0"/>
+              <a:t> </a:t>
+            </a:r>
+            <a:r>
+              <a:rPr lang="en-US" dirty="0" err="1"/>
+              <a:t>direktno</a:t>
+            </a:r>
+            <a:r>
+              <a:rPr lang="en-US" dirty="0"/>
+              <a:t> u </a:t>
+            </a:r>
+            <a:r>
+              <a:rPr lang="en-US" dirty="0" err="1"/>
+              <a:t>memoriji</a:t>
+            </a:r>
+            <a:r>
+              <a:rPr lang="en-US" dirty="0"/>
+              <a:t> </a:t>
+            </a:r>
+            <a:r>
+              <a:rPr lang="en-US" dirty="0" err="1"/>
+              <a:t>uredjaja</a:t>
+            </a:r>
+            <a:endParaRPr lang="en-US" b="1" dirty="0"/>
+          </a:p>
+        </p:txBody>
+      </p:sp>
+    </p:spTree>
+    <p:extLst>
+      <p:ext uri="{BB962C8B-B14F-4D97-AF65-F5344CB8AC3E}">
+        <p14:creationId xmlns:p14="http://schemas.microsoft.com/office/powerpoint/2010/main" val="2363006786"/>
       </p:ext>
     </p:extLst>
   </p:cSld>
@@ -17153,4 +17725,299 @@
     </a:ext>
   </a:extLst>
 </a:theme>
+</file>
+
+<file path=ppt/theme/theme2.xml><?xml version="1.0" encoding="utf-8"?>
+<a:theme xmlns:a="http://schemas.openxmlformats.org/drawingml/2006/main" name="Office Theme">
+  <a:themeElements>
+    <a:clrScheme name="Office">
+      <a:dk1>
+        <a:sysClr val="windowText" lastClr="000000"/>
+      </a:dk1>
+      <a:lt1>
+        <a:sysClr val="window" lastClr="FFFFFF"/>
+      </a:lt1>
+      <a:dk2>
+        <a:srgbClr val="44546A"/>
+      </a:dk2>
+      <a:lt2>
+        <a:srgbClr val="E7E6E6"/>
+      </a:lt2>
+      <a:accent1>
+        <a:srgbClr val="4472C4"/>
+      </a:accent1>
+      <a:accent2>
+        <a:srgbClr val="ED7D31"/>
+      </a:accent2>
+      <a:accent3>
+        <a:srgbClr val="A5A5A5"/>
+      </a:accent3>
+      <a:accent4>
+        <a:srgbClr val="FFC000"/>
+      </a:accent4>
+      <a:accent5>
+        <a:srgbClr val="5B9BD5"/>
+      </a:accent5>
+      <a:accent6>
+        <a:srgbClr val="70AD47"/>
+      </a:accent6>
+      <a:hlink>
+        <a:srgbClr val="0563C1"/>
+      </a:hlink>
+      <a:folHlink>
+        <a:srgbClr val="954F72"/>
+      </a:folHlink>
+    </a:clrScheme>
+    <a:fontScheme name="Office">
+      <a:majorFont>
+        <a:latin typeface="Calibri Light" panose="020F0302020204030204"/>
+        <a:ea typeface=""/>
+        <a:cs typeface=""/>
+        <a:font script="Jpan" typeface="游ゴシック Light"/>
+        <a:font script="Hang" typeface="맑은 고딕"/>
+        <a:font script="Hans" typeface="等线 Light"/>
+        <a:font script="Hant" typeface="新細明體"/>
+        <a:font script="Arab" typeface="Times New Roman"/>
+        <a:font script="Hebr" typeface="Times New Roman"/>
+        <a:font script="Thai" typeface="Angsana New"/>
+        <a:font script="Ethi" typeface="Nyala"/>
+        <a:font script="Beng" typeface="Vrinda"/>
+        <a:font script="Gujr" typeface="Shruti"/>
+        <a:font script="Khmr" typeface="MoolBoran"/>
+        <a:font script="Knda" typeface="Tunga"/>
+        <a:font script="Guru" typeface="Raavi"/>
+        <a:font script="Cans" typeface="Euphemia"/>
+        <a:font script="Cher" typeface="Plantagenet Cherokee"/>
+        <a:font script="Yiii" typeface="Microsoft Yi Baiti"/>
+        <a:font script="Tibt" typeface="Microsoft Himalaya"/>
+        <a:font script="Thaa" typeface="MV Boli"/>
+        <a:font script="Deva" typeface="Mangal"/>
+        <a:font script="Telu" typeface="Gautami"/>
+        <a:font script="Taml" typeface="Latha"/>
+        <a:font script="Syrc" typeface="Estrangelo Edessa"/>
+        <a:font script="Orya" typeface="Kalinga"/>
+        <a:font script="Mlym" typeface="Kartika"/>
+        <a:font script="Laoo" typeface="DokChampa"/>
+        <a:font script="Sinh" typeface="Iskoola Pota"/>
+        <a:font script="Mong" typeface="Mongolian Baiti"/>
+        <a:font script="Viet" typeface="Times New Roman"/>
+        <a:font script="Uigh" typeface="Microsoft Uighur"/>
+        <a:font script="Geor" typeface="Sylfaen"/>
+        <a:font script="Armn" typeface="Arial"/>
+        <a:font script="Bugi" typeface="Leelawadee UI"/>
+        <a:font script="Bopo" typeface="Microsoft JhengHei"/>
+        <a:font script="Java" typeface="Javanese Text"/>
+        <a:font script="Lisu" typeface="Segoe UI"/>
+        <a:font script="Mymr" typeface="Myanmar Text"/>
+        <a:font script="Nkoo" typeface="Ebrima"/>
+        <a:font script="Olck" typeface="Nirmala UI"/>
+        <a:font script="Osma" typeface="Ebrima"/>
+        <a:font script="Phag" typeface="Phagspa"/>
+        <a:font script="Syrn" typeface="Estrangelo Edessa"/>
+        <a:font script="Syrj" typeface="Estrangelo Edessa"/>
+        <a:font script="Syre" typeface="Estrangelo Edessa"/>
+        <a:font script="Sora" typeface="Nirmala UI"/>
+        <a:font script="Tale" typeface="Microsoft Tai Le"/>
+        <a:font script="Talu" typeface="Microsoft New Tai Lue"/>
+        <a:font script="Tfng" typeface="Ebrima"/>
+      </a:majorFont>
+      <a:minorFont>
+        <a:latin typeface="Calibri" panose="020F0502020204030204"/>
+        <a:ea typeface=""/>
+        <a:cs typeface=""/>
+        <a:font script="Jpan" typeface="游ゴシック"/>
+        <a:font script="Hang" typeface="맑은 고딕"/>
+        <a:font script="Hans" typeface="等线"/>
+        <a:font script="Hant" typeface="新細明體"/>
+        <a:font script="Arab" typeface="Arial"/>
+        <a:font script="Hebr" typeface="Arial"/>
+        <a:font script="Thai" typeface="Cordia New"/>
+        <a:font script="Ethi" typeface="Nyala"/>
+        <a:font script="Beng" typeface="Vrinda"/>
+        <a:font script="Gujr" typeface="Shruti"/>
+        <a:font script="Khmr" typeface="DaunPenh"/>
+        <a:font script="Knda" typeface="Tunga"/>
+        <a:font script="Guru" typeface="Raavi"/>
+        <a:font script="Cans" typeface="Euphemia"/>
+        <a:font script="Cher" typeface="Plantagenet Cherokee"/>
+        <a:font script="Yiii" typeface="Microsoft Yi Baiti"/>
+        <a:font script="Tibt" typeface="Microsoft Himalaya"/>
+        <a:font script="Thaa" typeface="MV Boli"/>
+        <a:font script="Deva" typeface="Mangal"/>
+        <a:font script="Telu" typeface="Gautami"/>
+        <a:font script="Taml" typeface="Latha"/>
+        <a:font script="Syrc" typeface="Estrangelo Edessa"/>
+        <a:font script="Orya" typeface="Kalinga"/>
+        <a:font script="Mlym" typeface="Kartika"/>
+        <a:font script="Laoo" typeface="DokChampa"/>
+        <a:font script="Sinh" typeface="Iskoola Pota"/>
+        <a:font script="Mong" typeface="Mongolian Baiti"/>
+        <a:font script="Viet" typeface="Arial"/>
+        <a:font script="Uigh" typeface="Microsoft Uighur"/>
+        <a:font script="Geor" typeface="Sylfaen"/>
+        <a:font script="Armn" typeface="Arial"/>
+        <a:font script="Bugi" typeface="Leelawadee UI"/>
+        <a:font script="Bopo" typeface="Microsoft JhengHei"/>
+        <a:font script="Java" typeface="Javanese Text"/>
+        <a:font script="Lisu" typeface="Segoe UI"/>
+        <a:font script="Mymr" typeface="Myanmar Text"/>
+        <a:font script="Nkoo" typeface="Ebrima"/>
+        <a:font script="Olck" typeface="Nirmala UI"/>
+        <a:font script="Osma" typeface="Ebrima"/>
+        <a:font script="Phag" typeface="Phagspa"/>
+        <a:font script="Syrn" typeface="Estrangelo Edessa"/>
+        <a:font script="Syrj" typeface="Estrangelo Edessa"/>
+        <a:font script="Syre" typeface="Estrangelo Edessa"/>
+        <a:font script="Sora" typeface="Nirmala UI"/>
+        <a:font script="Tale" typeface="Microsoft Tai Le"/>
+        <a:font script="Talu" typeface="Microsoft New Tai Lue"/>
+        <a:font script="Tfng" typeface="Ebrima"/>
+      </a:minorFont>
+    </a:fontScheme>
+    <a:fmtScheme name="Office">
+      <a:fillStyleLst>
+        <a:solidFill>
+          <a:schemeClr val="phClr"/>
+        </a:solidFill>
+        <a:gradFill rotWithShape="1">
+          <a:gsLst>
+            <a:gs pos="0">
+              <a:schemeClr val="phClr">
+                <a:lumMod val="110000"/>
+                <a:satMod val="105000"/>
+                <a:tint val="67000"/>
+              </a:schemeClr>
+            </a:gs>
+            <a:gs pos="50000">
+              <a:schemeClr val="phClr">
+                <a:lumMod val="105000"/>
+                <a:satMod val="103000"/>
+                <a:tint val="73000"/>
+              </a:schemeClr>
+            </a:gs>
+            <a:gs pos="100000">
+              <a:schemeClr val="phClr">
+                <a:lumMod val="105000"/>
+                <a:satMod val="109000"/>
+                <a:tint val="81000"/>
+              </a:schemeClr>
+            </a:gs>
+          </a:gsLst>
+          <a:lin ang="5400000" scaled="0"/>
+        </a:gradFill>
+        <a:gradFill rotWithShape="1">
+          <a:gsLst>
+            <a:gs pos="0">
+              <a:schemeClr val="phClr">
+                <a:satMod val="103000"/>
+                <a:lumMod val="102000"/>
+                <a:tint val="94000"/>
+              </a:schemeClr>
+            </a:gs>
+            <a:gs pos="50000">
+              <a:schemeClr val="phClr">
+                <a:satMod val="110000"/>
+                <a:lumMod val="100000"/>
+                <a:shade val="100000"/>
+              </a:schemeClr>
+            </a:gs>
+            <a:gs pos="100000">
+              <a:schemeClr val="phClr">
+                <a:lumMod val="99000"/>
+                <a:satMod val="120000"/>
+                <a:shade val="78000"/>
+              </a:schemeClr>
+            </a:gs>
+          </a:gsLst>
+          <a:lin ang="5400000" scaled="0"/>
+        </a:gradFill>
+      </a:fillStyleLst>
+      <a:lnStyleLst>
+        <a:ln w="6350" cap="flat" cmpd="sng" algn="ctr">
+          <a:solidFill>
+            <a:schemeClr val="phClr"/>
+          </a:solidFill>
+          <a:prstDash val="solid"/>
+          <a:miter lim="800000"/>
+        </a:ln>
+        <a:ln w="12700" cap="flat" cmpd="sng" algn="ctr">
+          <a:solidFill>
+            <a:schemeClr val="phClr"/>
+          </a:solidFill>
+          <a:prstDash val="solid"/>
+          <a:miter lim="800000"/>
+        </a:ln>
+        <a:ln w="19050" cap="flat" cmpd="sng" algn="ctr">
+          <a:solidFill>
+            <a:schemeClr val="phClr"/>
+          </a:solidFill>
+          <a:prstDash val="solid"/>
+          <a:miter lim="800000"/>
+        </a:ln>
+      </a:lnStyleLst>
+      <a:effectStyleLst>
+        <a:effectStyle>
+          <a:effectLst/>
+        </a:effectStyle>
+        <a:effectStyle>
+          <a:effectLst/>
+        </a:effectStyle>
+        <a:effectStyle>
+          <a:effectLst>
+            <a:outerShdw blurRad="57150" dist="19050" dir="5400000" algn="ctr" rotWithShape="0">
+              <a:srgbClr val="000000">
+                <a:alpha val="63000"/>
+              </a:srgbClr>
+            </a:outerShdw>
+          </a:effectLst>
+        </a:effectStyle>
+      </a:effectStyleLst>
+      <a:bgFillStyleLst>
+        <a:solidFill>
+          <a:schemeClr val="phClr"/>
+        </a:solidFill>
+        <a:solidFill>
+          <a:schemeClr val="phClr">
+            <a:tint val="95000"/>
+            <a:satMod val="170000"/>
+          </a:schemeClr>
+        </a:solidFill>
+        <a:gradFill rotWithShape="1">
+          <a:gsLst>
+            <a:gs pos="0">
+              <a:schemeClr val="phClr">
+                <a:tint val="93000"/>
+                <a:satMod val="150000"/>
+                <a:shade val="98000"/>
+                <a:lumMod val="102000"/>
+              </a:schemeClr>
+            </a:gs>
+            <a:gs pos="50000">
+              <a:schemeClr val="phClr">
+                <a:tint val="98000"/>
+                <a:satMod val="130000"/>
+                <a:shade val="90000"/>
+                <a:lumMod val="103000"/>
+              </a:schemeClr>
+            </a:gs>
+            <a:gs pos="100000">
+              <a:schemeClr val="phClr">
+                <a:shade val="63000"/>
+                <a:satMod val="120000"/>
+              </a:schemeClr>
+            </a:gs>
+          </a:gsLst>
+          <a:lin ang="5400000" scaled="0"/>
+        </a:gradFill>
+      </a:bgFillStyleLst>
+    </a:fmtScheme>
+  </a:themeElements>
+  <a:objectDefaults/>
+  <a:extraClrSchemeLst/>
+  <a:extLst>
+    <a:ext uri="{05A4C25C-085E-4340-85A3-A5531E510DB2}">
+      <thm15:themeFamily xmlns:thm15="http://schemas.microsoft.com/office/thememl/2012/main" name="Office Theme" id="{62F939B6-93AF-4DB8-9C6B-D6C7DFDC589F}" vid="{4A3C46E8-61CC-4603-A589-7422A47A8E4A}"/>
+    </a:ext>
+  </a:extLst>
+</a:theme>
 </file>
--- a/NaprednoSWEPrez2.pptx
+++ b/NaprednoSWEPrez2.pptx
@@ -210,7 +210,7 @@
           <a:p>
             <a:fld id="{3F9F08CE-5F93-4194-BDA6-50D15D7763DB}" type="datetimeFigureOut">
               <a:rPr lang="en-US" smtClean="0"/>
-              <a:t>1/25/2026</a:t>
+              <a:t>1/26/2026</a:t>
             </a:fld>
             <a:endParaRPr lang="en-US"/>
           </a:p>
@@ -897,7 +897,7 @@
             <a:fld id="{5923F103-BC34-4FE4-A40E-EDDEECFDA5D0}" type="datetimeFigureOut">
               <a:rPr lang="en-US" dirty="0"/>
               <a:pPr/>
-              <a:t>1/25/2026</a:t>
+              <a:t>1/26/2026</a:t>
             </a:fld>
             <a:endParaRPr lang="en-US" dirty="0"/>
           </a:p>
@@ -1981,7 +1981,7 @@
           <a:p>
             <a:fld id="{923A1CC3-2375-41D4-9E03-427CAF2A4C1A}" type="datetimeFigureOut">
               <a:rPr lang="en-US" dirty="0"/>
-              <a:t>1/25/2026</a:t>
+              <a:t>1/26/2026</a:t>
             </a:fld>
             <a:endParaRPr lang="en-US" dirty="0"/>
           </a:p>
@@ -2957,7 +2957,7 @@
           <a:p>
             <a:fld id="{AFF16868-8199-4C2C-A5B1-63AEE139F88E}" type="datetimeFigureOut">
               <a:rPr lang="en-US" dirty="0"/>
-              <a:t>1/25/2026</a:t>
+              <a:t>1/26/2026</a:t>
             </a:fld>
             <a:endParaRPr lang="en-US" dirty="0"/>
           </a:p>
@@ -4087,7 +4087,7 @@
           <a:p>
             <a:fld id="{AAD9FF7F-6988-44CC-821B-644E70CD2F73}" type="datetimeFigureOut">
               <a:rPr lang="en-US" dirty="0"/>
-              <a:t>1/25/2026</a:t>
+              <a:t>1/26/2026</a:t>
             </a:fld>
             <a:endParaRPr lang="en-US" dirty="0"/>
           </a:p>
@@ -5116,7 +5116,7 @@
           <a:p>
             <a:fld id="{5C12C299-16B2-4475-990D-751901EACC14}" type="datetimeFigureOut">
               <a:rPr lang="en-US" dirty="0"/>
-              <a:t>1/25/2026</a:t>
+              <a:t>1/26/2026</a:t>
             </a:fld>
             <a:endParaRPr lang="en-US" dirty="0"/>
           </a:p>
@@ -5772,7 +5772,7 @@
           <a:p>
             <a:fld id="{9FE86839-B9D8-4651-8783-F325ECE74E65}" type="datetimeFigureOut">
               <a:rPr lang="en-US" dirty="0"/>
-              <a:t>1/25/2026</a:t>
+              <a:t>1/26/2026</a:t>
             </a:fld>
             <a:endParaRPr lang="en-US" dirty="0"/>
           </a:p>
@@ -6629,7 +6629,7 @@
           <a:p>
             <a:fld id="{FD484F64-32F6-45C5-931F-ADC1662401D0}" type="datetimeFigureOut">
               <a:rPr lang="en-US" dirty="0"/>
-              <a:t>1/25/2026</a:t>
+              <a:t>1/26/2026</a:t>
             </a:fld>
             <a:endParaRPr lang="en-US" dirty="0"/>
           </a:p>
@@ -6815,7 +6815,7 @@
           <a:p>
             <a:fld id="{53086D93-FCAC-47E0-A2EE-787E62CA814C}" type="datetimeFigureOut">
               <a:rPr lang="en-US" dirty="0"/>
-              <a:t>1/25/2026</a:t>
+              <a:t>1/26/2026</a:t>
             </a:fld>
             <a:endParaRPr lang="en-US" dirty="0"/>
           </a:p>
@@ -7783,7 +7783,7 @@
           <a:p>
             <a:fld id="{CDA879A6-0FD0-4734-A311-86BFCA472E6E}" type="datetimeFigureOut">
               <a:rPr lang="en-US" dirty="0"/>
-              <a:t>1/25/2026</a:t>
+              <a:t>1/26/2026</a:t>
             </a:fld>
             <a:endParaRPr lang="en-US" dirty="0"/>
           </a:p>
@@ -7990,7 +7990,7 @@
           <a:p>
             <a:fld id="{19C9CA7B-DFD4-44B5-8C60-D14B8CD1FB59}" type="datetimeFigureOut">
               <a:rPr lang="en-US" dirty="0"/>
-              <a:t>1/25/2026</a:t>
+              <a:t>1/26/2026</a:t>
             </a:fld>
             <a:endParaRPr lang="en-US" dirty="0"/>
           </a:p>
@@ -9020,7 +9020,7 @@
           <a:p>
             <a:fld id="{F34E6425-0181-43F2-84FC-787E803FD2F8}" type="datetimeFigureOut">
               <a:rPr lang="en-US" dirty="0"/>
-              <a:t>1/25/2026</a:t>
+              <a:t>1/26/2026</a:t>
             </a:fld>
             <a:endParaRPr lang="en-US" dirty="0"/>
           </a:p>
@@ -9288,7 +9288,7 @@
           <a:p>
             <a:fld id="{3BDB8791-F1B0-41E7-B7FD-A781E65C4266}" type="datetimeFigureOut">
               <a:rPr lang="en-US" dirty="0"/>
-              <a:t>1/25/2026</a:t>
+              <a:t>1/26/2026</a:t>
             </a:fld>
             <a:endParaRPr lang="en-US" dirty="0"/>
           </a:p>
@@ -9694,7 +9694,7 @@
           <a:p>
             <a:fld id="{5FDD63B2-E120-4ED8-B27B-C685F510A5FE}" type="datetimeFigureOut">
               <a:rPr lang="en-US" dirty="0"/>
-              <a:t>1/25/2026</a:t>
+              <a:t>1/26/2026</a:t>
             </a:fld>
             <a:endParaRPr lang="en-US" dirty="0"/>
           </a:p>
@@ -9817,7 +9817,7 @@
           <a:p>
             <a:fld id="{7AA18ACC-A947-437B-A130-35BD54FDF1E9}" type="datetimeFigureOut">
               <a:rPr lang="en-US" dirty="0"/>
-              <a:t>1/25/2026</a:t>
+              <a:t>1/26/2026</a:t>
             </a:fld>
             <a:endParaRPr lang="en-US" dirty="0"/>
           </a:p>
@@ -9908,7 +9908,7 @@
           <a:p>
             <a:fld id="{7C8D7E02-BCB8-4D50-A234-369438C08659}" type="datetimeFigureOut">
               <a:rPr lang="en-US" dirty="0"/>
-              <a:t>1/25/2026</a:t>
+              <a:t>1/26/2026</a:t>
             </a:fld>
             <a:endParaRPr lang="en-US" dirty="0"/>
           </a:p>
@@ -10985,7 +10985,7 @@
           <a:p>
             <a:fld id="{76E86A4C-8E40-4F87-A4F0-01A0687C5742}" type="datetimeFigureOut">
               <a:rPr lang="en-US" dirty="0"/>
-              <a:t>1/25/2026</a:t>
+              <a:t>1/26/2026</a:t>
             </a:fld>
             <a:endParaRPr lang="en-US" dirty="0"/>
           </a:p>
@@ -12089,7 +12089,7 @@
           <a:p>
             <a:fld id="{35E72C73-2D91-4E12-BA25-F0AA0C03599B}" type="datetimeFigureOut">
               <a:rPr lang="en-US" dirty="0"/>
-              <a:t>1/25/2026</a:t>
+              <a:t>1/26/2026</a:t>
             </a:fld>
             <a:endParaRPr lang="en-US" dirty="0"/>
           </a:p>
@@ -13082,7 +13082,7 @@
           <a:p>
             <a:fld id="{2BE451C3-0FF4-47C4-B829-773ADF60F88C}" type="datetimeFigureOut">
               <a:rPr lang="en-US" dirty="0"/>
-              <a:t>1/25/2026</a:t>
+              <a:t>1/26/2026</a:t>
             </a:fld>
             <a:endParaRPr lang="en-US" dirty="0"/>
           </a:p>
@@ -13806,19 +13806,17 @@
       </p:sp>
       <p:pic>
         <p:nvPicPr>
-          <p:cNvPr id="5" name="Content Placeholder 4">
+          <p:cNvPr id="7" name="Picture 6">
             <a:extLst>
               <a:ext uri="{FF2B5EF4-FFF2-40B4-BE49-F238E27FC236}">
-                <a16:creationId xmlns:a16="http://schemas.microsoft.com/office/drawing/2014/main" id="{61335180-C918-DE7F-390A-0B076254AB37}"/>
+                <a16:creationId xmlns:a16="http://schemas.microsoft.com/office/drawing/2014/main" id="{B719CFB6-0E3E-D705-23E2-89D51D0642A6}"/>
               </a:ext>
             </a:extLst>
           </p:cNvPr>
           <p:cNvPicPr>
-            <a:picLocks noGrp="1" noChangeAspect="1"/>
+            <a:picLocks noChangeAspect="1"/>
           </p:cNvPicPr>
-          <p:nvPr>
-            <p:ph idx="1"/>
-          </p:nvPr>
+          <p:nvPr/>
         </p:nvPicPr>
         <p:blipFill>
           <a:blip r:embed="rId2"/>
@@ -13828,20 +13826,45 @@
         </p:blipFill>
         <p:spPr>
           <a:xfrm>
-            <a:off x="8581469" y="1868264"/>
-            <a:ext cx="2217511" cy="4833678"/>
+            <a:off x="550793" y="2740745"/>
+            <a:ext cx="7155121" cy="2499848"/>
           </a:xfrm>
           <a:prstGeom prst="rect">
             <a:avLst/>
           </a:prstGeom>
         </p:spPr>
       </p:pic>
+      <p:sp>
+        <p:nvSpPr>
+          <p:cNvPr id="4" name="Content Placeholder 3">
+            <a:extLst>
+              <a:ext uri="{FF2B5EF4-FFF2-40B4-BE49-F238E27FC236}">
+                <a16:creationId xmlns:a16="http://schemas.microsoft.com/office/drawing/2014/main" id="{5795EEDD-7C16-B688-C9F8-F9C105DC9798}"/>
+              </a:ext>
+            </a:extLst>
+          </p:cNvPr>
+          <p:cNvSpPr>
+            <a:spLocks noGrp="1"/>
+          </p:cNvSpPr>
+          <p:nvPr>
+            <p:ph idx="1"/>
+          </p:nvPr>
+        </p:nvSpPr>
+        <p:spPr/>
+        <p:txBody>
+          <a:bodyPr/>
+          <a:lstStyle/>
+          <a:p>
+            <a:endParaRPr lang="en-US"/>
+          </a:p>
+        </p:txBody>
+      </p:sp>
       <p:pic>
         <p:nvPicPr>
-          <p:cNvPr id="7" name="Picture 6">
+          <p:cNvPr id="8" name="Picture 7">
             <a:extLst>
               <a:ext uri="{FF2B5EF4-FFF2-40B4-BE49-F238E27FC236}">
-                <a16:creationId xmlns:a16="http://schemas.microsoft.com/office/drawing/2014/main" id="{B719CFB6-0E3E-D705-23E2-89D51D0642A6}"/>
+                <a16:creationId xmlns:a16="http://schemas.microsoft.com/office/drawing/2014/main" id="{C80D50BF-48B3-1BB8-DCF4-81A10A640B31}"/>
               </a:ext>
             </a:extLst>
           </p:cNvPr>
@@ -13858,8 +13881,8 @@
         </p:blipFill>
         <p:spPr>
           <a:xfrm>
-            <a:off x="550793" y="2740745"/>
-            <a:ext cx="7155121" cy="2499848"/>
+            <a:off x="9397990" y="2402103"/>
+            <a:ext cx="1968100" cy="4126302"/>
           </a:xfrm>
           <a:prstGeom prst="rect">
             <a:avLst/>
@@ -13947,7 +13970,7 @@
         </p:nvSpPr>
         <p:spPr>
           <a:xfrm>
-            <a:off x="1667432" y="2383364"/>
+            <a:off x="1352799" y="2383364"/>
             <a:ext cx="8825659" cy="3728884"/>
           </a:xfrm>
         </p:spPr>
@@ -14063,117 +14086,6 @@
               <a:rPr lang="en-US" dirty="0"/>
               <a:t>.</a:t>
             </a:r>
-          </a:p>
-          <a:p>
-            <a:r>
-              <a:rPr lang="en-US" dirty="0" err="1"/>
-              <a:t>Prikazani</a:t>
-            </a:r>
-            <a:r>
-              <a:rPr lang="en-US" dirty="0"/>
-              <a:t> </a:t>
-            </a:r>
-            <a:r>
-              <a:rPr lang="en-US" dirty="0" err="1"/>
-              <a:t>kod</a:t>
-            </a:r>
-            <a:r>
-              <a:rPr lang="en-US" dirty="0"/>
-              <a:t> </a:t>
-            </a:r>
-            <a:r>
-              <a:rPr lang="en-US" dirty="0" err="1"/>
-              <a:t>demonstrira</a:t>
-            </a:r>
-            <a:r>
-              <a:rPr lang="en-US" dirty="0"/>
-              <a:t> process </a:t>
-            </a:r>
-            <a:r>
-              <a:rPr lang="en-US" dirty="0" err="1"/>
-              <a:t>obrade</a:t>
-            </a:r>
-            <a:r>
-              <a:rPr lang="en-US" dirty="0"/>
-              <a:t> </a:t>
-            </a:r>
-            <a:r>
-              <a:rPr lang="en-US" dirty="0" err="1"/>
-              <a:t>podataka</a:t>
-            </a:r>
-            <a:r>
-              <a:rPr lang="en-US" dirty="0"/>
-              <a:t> </a:t>
-            </a:r>
-            <a:r>
-              <a:rPr lang="en-US" dirty="0" err="1"/>
-              <a:t>gde</a:t>
-            </a:r>
-            <a:r>
-              <a:rPr lang="en-US" dirty="0"/>
-              <a:t> se </a:t>
-            </a:r>
-            <a:r>
-              <a:rPr lang="en-US" dirty="0" err="1"/>
-              <a:t>slika</a:t>
-            </a:r>
-            <a:r>
-              <a:rPr lang="en-US" dirty="0"/>
-              <a:t> </a:t>
-            </a:r>
-            <a:r>
-              <a:rPr lang="en-US" dirty="0" err="1"/>
-              <a:t>snimljena</a:t>
-            </a:r>
-            <a:r>
-              <a:rPr lang="en-US" dirty="0"/>
-              <a:t> </a:t>
-            </a:r>
-            <a:r>
-              <a:rPr lang="en-US" dirty="0" err="1"/>
-              <a:t>kamerom</a:t>
-            </a:r>
-            <a:r>
-              <a:rPr lang="en-US" dirty="0"/>
-              <a:t> </a:t>
-            </a:r>
-            <a:r>
-              <a:rPr lang="en-US" dirty="0" err="1"/>
-              <a:t>konvertuje</a:t>
-            </a:r>
-            <a:r>
-              <a:rPr lang="en-US" dirty="0"/>
-              <a:t> u Base64 format  I </a:t>
-            </a:r>
-            <a:r>
-              <a:rPr lang="en-US" dirty="0" err="1"/>
-              <a:t>trajno</a:t>
-            </a:r>
-            <a:r>
-              <a:rPr lang="en-US" dirty="0"/>
-              <a:t> </a:t>
-            </a:r>
-            <a:r>
-              <a:rPr lang="en-US" dirty="0" err="1"/>
-              <a:t>skladisti</a:t>
-            </a:r>
-            <a:r>
-              <a:rPr lang="en-US" dirty="0"/>
-              <a:t> u </a:t>
-            </a:r>
-            <a:r>
-              <a:rPr lang="en-US" dirty="0" err="1"/>
-              <a:t>memorije</a:t>
-            </a:r>
-            <a:r>
-              <a:rPr lang="en-US" dirty="0"/>
-              <a:t> </a:t>
-            </a:r>
-            <a:r>
-              <a:rPr lang="en-US" dirty="0" err="1"/>
-              <a:t>telefona</a:t>
-            </a:r>
-            <a:endParaRPr lang="en-US" dirty="0"/>
           </a:p>
         </p:txBody>
       </p:sp>
@@ -14199,7 +14111,7 @@
         </p:blipFill>
         <p:spPr>
           <a:xfrm>
-            <a:off x="10614295" y="3330677"/>
+            <a:off x="6445418" y="3330676"/>
             <a:ext cx="1577705" cy="3527324"/>
           </a:xfrm>
           <a:prstGeom prst="rect">
@@ -14229,7 +14141,7 @@
         </p:blipFill>
         <p:spPr>
           <a:xfrm>
-            <a:off x="49544" y="3330676"/>
+            <a:off x="2999221" y="3330677"/>
             <a:ext cx="1663832" cy="3527324"/>
           </a:xfrm>
           <a:prstGeom prst="rect">
@@ -14319,8 +14231,8 @@
         </p:blipFill>
         <p:spPr>
           <a:xfrm>
-            <a:off x="496192" y="2357691"/>
-            <a:ext cx="5275343" cy="4224317"/>
+            <a:off x="614178" y="2945043"/>
+            <a:ext cx="4685409" cy="3751918"/>
           </a:xfrm>
           <a:prstGeom prst="rect">
             <a:avLst/>
@@ -14349,7 +14261,7 @@
         </p:blipFill>
         <p:spPr>
           <a:xfrm>
-            <a:off x="5943024" y="3429000"/>
+            <a:off x="5834869" y="3960083"/>
             <a:ext cx="6051180" cy="1298280"/>
           </a:xfrm>
           <a:prstGeom prst="rect">
@@ -14357,6 +14269,150 @@
           </a:prstGeom>
         </p:spPr>
       </p:pic>
+      <p:sp>
+        <p:nvSpPr>
+          <p:cNvPr id="3" name="TextBox 2">
+            <a:extLst>
+              <a:ext uri="{FF2B5EF4-FFF2-40B4-BE49-F238E27FC236}">
+                <a16:creationId xmlns:a16="http://schemas.microsoft.com/office/drawing/2014/main" id="{816CB8FE-9700-8BB5-0E1B-E65AEA196BFF}"/>
+              </a:ext>
+            </a:extLst>
+          </p:cNvPr>
+          <p:cNvSpPr txBox="1"/>
+          <p:nvPr/>
+        </p:nvSpPr>
+        <p:spPr>
+          <a:xfrm>
+            <a:off x="786581" y="2251587"/>
+            <a:ext cx="8849032" cy="646331"/>
+          </a:xfrm>
+          <a:prstGeom prst="rect">
+            <a:avLst/>
+          </a:prstGeom>
+          <a:noFill/>
+        </p:spPr>
+        <p:txBody>
+          <a:bodyPr wrap="square" rtlCol="0">
+            <a:spAutoFit/>
+          </a:bodyPr>
+          <a:lstStyle/>
+          <a:p>
+            <a:pPr marL="285750" indent="-285750">
+              <a:buFont typeface="Arial" panose="020B0604020202020204" pitchFamily="34" charset="0"/>
+              <a:buChar char="•"/>
+            </a:pPr>
+            <a:r>
+              <a:rPr lang="en-US" dirty="0" err="1"/>
+              <a:t>Prikazani</a:t>
+            </a:r>
+            <a:r>
+              <a:rPr lang="en-US" dirty="0"/>
+              <a:t> </a:t>
+            </a:r>
+            <a:r>
+              <a:rPr lang="en-US" dirty="0" err="1"/>
+              <a:t>kod</a:t>
+            </a:r>
+            <a:r>
+              <a:rPr lang="en-US" dirty="0"/>
+              <a:t> </a:t>
+            </a:r>
+            <a:r>
+              <a:rPr lang="en-US" dirty="0" err="1"/>
+              <a:t>demonstrira</a:t>
+            </a:r>
+            <a:r>
+              <a:rPr lang="en-US" dirty="0"/>
+              <a:t> process </a:t>
+            </a:r>
+            <a:r>
+              <a:rPr lang="en-US" dirty="0" err="1"/>
+              <a:t>obrade</a:t>
+            </a:r>
+            <a:r>
+              <a:rPr lang="en-US" dirty="0"/>
+              <a:t> </a:t>
+            </a:r>
+            <a:r>
+              <a:rPr lang="en-US" dirty="0" err="1"/>
+              <a:t>podataka</a:t>
+            </a:r>
+            <a:r>
+              <a:rPr lang="en-US" dirty="0"/>
+              <a:t> </a:t>
+            </a:r>
+            <a:r>
+              <a:rPr lang="en-US" dirty="0" err="1"/>
+              <a:t>gde</a:t>
+            </a:r>
+            <a:r>
+              <a:rPr lang="en-US" dirty="0"/>
+              <a:t> se </a:t>
+            </a:r>
+            <a:r>
+              <a:rPr lang="en-US" dirty="0" err="1"/>
+              <a:t>slika</a:t>
+            </a:r>
+            <a:r>
+              <a:rPr lang="en-US" dirty="0"/>
+              <a:t> </a:t>
+            </a:r>
+            <a:r>
+              <a:rPr lang="en-US" dirty="0" err="1"/>
+              <a:t>snimljena</a:t>
+            </a:r>
+            <a:r>
+              <a:rPr lang="en-US" dirty="0"/>
+              <a:t> </a:t>
+            </a:r>
+            <a:r>
+              <a:rPr lang="en-US" dirty="0" err="1"/>
+              <a:t>kamerom</a:t>
+            </a:r>
+            <a:r>
+              <a:rPr lang="en-US" dirty="0"/>
+              <a:t> </a:t>
+            </a:r>
+            <a:r>
+              <a:rPr lang="en-US" dirty="0" err="1"/>
+              <a:t>konvertuje</a:t>
+            </a:r>
+            <a:r>
+              <a:rPr lang="en-US" dirty="0"/>
+              <a:t> u Base64 format  I </a:t>
+            </a:r>
+            <a:r>
+              <a:rPr lang="en-US" dirty="0" err="1"/>
+              <a:t>trajno</a:t>
+            </a:r>
+            <a:r>
+              <a:rPr lang="en-US" dirty="0"/>
+              <a:t> </a:t>
+            </a:r>
+            <a:r>
+              <a:rPr lang="en-US" dirty="0" err="1"/>
+              <a:t>skladisti</a:t>
+            </a:r>
+            <a:r>
+              <a:rPr lang="en-US" dirty="0"/>
+              <a:t> u </a:t>
+            </a:r>
+            <a:r>
+              <a:rPr lang="en-US" dirty="0" err="1"/>
+              <a:t>memorije</a:t>
+            </a:r>
+            <a:r>
+              <a:rPr lang="en-US" dirty="0"/>
+              <a:t> </a:t>
+            </a:r>
+            <a:r>
+              <a:rPr lang="en-US" dirty="0" err="1"/>
+              <a:t>telefona</a:t>
+            </a:r>
+            <a:endParaRPr lang="en-US" dirty="0"/>
+          </a:p>
+        </p:txBody>
+      </p:sp>
     </p:spTree>
     <p:extLst>
       <p:ext uri="{BB962C8B-B14F-4D97-AF65-F5344CB8AC3E}">
